--- a/YATAManualTech/architecture/paquetes.pptx
+++ b/YATAManualTech/architecture/paquetes.pptx
@@ -3323,10 +3323,10 @@
       </p:grpSpPr>
       <p:sp>
         <p:nvSpPr>
-          <p:cNvPr id="5" name="Rectángulo 4">
-            <a:extLst>
-              <a:ext uri="{FF2B5EF4-FFF2-40B4-BE49-F238E27FC236}">
-                <a16:creationId xmlns:a16="http://schemas.microsoft.com/office/drawing/2014/main" id="{F9953E07-A726-4096-A903-9511B34B0745}"/>
+          <p:cNvPr id="7" name="Rectángulo 6">
+            <a:extLst>
+              <a:ext uri="{FF2B5EF4-FFF2-40B4-BE49-F238E27FC236}">
+                <a16:creationId xmlns:a16="http://schemas.microsoft.com/office/drawing/2014/main" id="{DF821B2A-3FFD-4848-BA59-CD2B5B208A6E}"/>
               </a:ext>
             </a:extLst>
           </p:cNvPr>
@@ -3335,15 +3335,15 @@
         </p:nvSpPr>
         <p:spPr>
           <a:xfrm>
-            <a:off x="2496709" y="5513500"/>
-            <a:ext cx="7093564" cy="596348"/>
+            <a:off x="4224823" y="4908344"/>
+            <a:ext cx="1620000" cy="540000"/>
           </a:xfrm>
           <a:prstGeom prst="rect">
             <a:avLst/>
           </a:prstGeom>
-          <a:ln>
-            <a:noFill/>
-          </a:ln>
+          <a:solidFill>
+            <a:srgbClr val="C00000"/>
+          </a:solidFill>
         </p:spPr>
         <p:style>
           <a:lnRef idx="2">
@@ -3367,19 +3367,19 @@
           <a:p>
             <a:pPr algn="ctr"/>
             <a:r>
-              <a:rPr lang="es-ES" dirty="0" err="1"/>
-              <a:t>YATABase</a:t>
-            </a:r>
-            <a:endParaRPr lang="es-ES" dirty="0"/>
-          </a:p>
-        </p:txBody>
-      </p:sp>
-      <p:sp>
-        <p:nvSpPr>
-          <p:cNvPr id="6" name="Rectángulo 5">
-            <a:extLst>
-              <a:ext uri="{FF2B5EF4-FFF2-40B4-BE49-F238E27FC236}">
-                <a16:creationId xmlns:a16="http://schemas.microsoft.com/office/drawing/2014/main" id="{D5CB8331-16BE-48A6-9B22-22CA82EDCB47}"/>
+              <a:rPr lang="es-ES" sz="1400" dirty="0" err="1"/>
+              <a:t>YATAProviders</a:t>
+            </a:r>
+            <a:endParaRPr lang="es-ES" sz="1400" dirty="0"/>
+          </a:p>
+        </p:txBody>
+      </p:sp>
+      <p:sp>
+        <p:nvSpPr>
+          <p:cNvPr id="9" name="Rectángulo 8">
+            <a:extLst>
+              <a:ext uri="{FF2B5EF4-FFF2-40B4-BE49-F238E27FC236}">
+                <a16:creationId xmlns:a16="http://schemas.microsoft.com/office/drawing/2014/main" id="{05547D4D-C191-46CA-A147-BA7B3E79BF98}"/>
               </a:ext>
             </a:extLst>
           </p:cNvPr>
@@ -3388,12 +3388,15 @@
         </p:nvSpPr>
         <p:spPr>
           <a:xfrm>
-            <a:off x="2496709" y="2349845"/>
-            <a:ext cx="1620000" cy="900000"/>
+            <a:off x="2446957" y="4908344"/>
+            <a:ext cx="1620000" cy="540000"/>
           </a:xfrm>
           <a:prstGeom prst="rect">
             <a:avLst/>
           </a:prstGeom>
+          <a:solidFill>
+            <a:srgbClr val="C00000"/>
+          </a:solidFill>
         </p:spPr>
         <p:style>
           <a:lnRef idx="2">
@@ -3417,19 +3420,18 @@
           <a:p>
             <a:pPr algn="ctr"/>
             <a:r>
-              <a:rPr lang="es-ES" dirty="0" err="1"/>
-              <a:t>YATASetup</a:t>
-            </a:r>
-            <a:endParaRPr lang="es-ES" dirty="0"/>
-          </a:p>
-        </p:txBody>
-      </p:sp>
-      <p:sp>
-        <p:nvSpPr>
-          <p:cNvPr id="7" name="Rectángulo 6">
-            <a:extLst>
-              <a:ext uri="{FF2B5EF4-FFF2-40B4-BE49-F238E27FC236}">
-                <a16:creationId xmlns:a16="http://schemas.microsoft.com/office/drawing/2014/main" id="{DF821B2A-3FFD-4848-BA59-CD2B5B208A6E}"/>
+              <a:rPr lang="es-ES" sz="1400" dirty="0"/>
+              <a:t>YATADB</a:t>
+            </a:r>
+          </a:p>
+        </p:txBody>
+      </p:sp>
+      <p:sp>
+        <p:nvSpPr>
+          <p:cNvPr id="6" name="Rectángulo 5">
+            <a:extLst>
+              <a:ext uri="{FF2B5EF4-FFF2-40B4-BE49-F238E27FC236}">
+                <a16:creationId xmlns:a16="http://schemas.microsoft.com/office/drawing/2014/main" id="{D5CB8331-16BE-48A6-9B22-22CA82EDCB47}"/>
               </a:ext>
             </a:extLst>
           </p:cNvPr>
@@ -3438,12 +3440,17 @@
         </p:nvSpPr>
         <p:spPr>
           <a:xfrm>
-            <a:off x="6145751" y="4328956"/>
-            <a:ext cx="1620000" cy="900000"/>
+            <a:off x="299546" y="3713442"/>
+            <a:ext cx="1620000" cy="540000"/>
           </a:xfrm>
           <a:prstGeom prst="rect">
             <a:avLst/>
           </a:prstGeom>
+          <a:solidFill>
+            <a:schemeClr val="accent1">
+              <a:lumMod val="75000"/>
+            </a:schemeClr>
+          </a:solidFill>
         </p:spPr>
         <p:style>
           <a:lnRef idx="2">
@@ -3467,207 +3474,10 @@
           <a:p>
             <a:pPr algn="ctr"/>
             <a:r>
-              <a:rPr lang="es-ES" dirty="0" err="1"/>
-              <a:t>YATAProviders</a:t>
-            </a:r>
-            <a:endParaRPr lang="es-ES" dirty="0"/>
-          </a:p>
-        </p:txBody>
-      </p:sp>
-      <p:sp>
-        <p:nvSpPr>
-          <p:cNvPr id="8" name="Rectángulo 7">
-            <a:extLst>
-              <a:ext uri="{FF2B5EF4-FFF2-40B4-BE49-F238E27FC236}">
-                <a16:creationId xmlns:a16="http://schemas.microsoft.com/office/drawing/2014/main" id="{603B16EB-6DC5-458E-A87E-922324D0A5D9}"/>
-              </a:ext>
-            </a:extLst>
-          </p:cNvPr>
-          <p:cNvSpPr/>
-          <p:nvPr/>
-        </p:nvSpPr>
-        <p:spPr>
-          <a:xfrm>
-            <a:off x="4348873" y="2361535"/>
-            <a:ext cx="5241399" cy="900000"/>
-          </a:xfrm>
-          <a:prstGeom prst="rect">
-            <a:avLst/>
-          </a:prstGeom>
-        </p:spPr>
-        <p:style>
-          <a:lnRef idx="2">
-            <a:schemeClr val="accent1">
-              <a:shade val="50000"/>
-            </a:schemeClr>
-          </a:lnRef>
-          <a:fillRef idx="1">
-            <a:schemeClr val="accent1"/>
-          </a:fillRef>
-          <a:effectRef idx="0">
-            <a:schemeClr val="accent1"/>
-          </a:effectRef>
-          <a:fontRef idx="minor">
-            <a:schemeClr val="lt1"/>
-          </a:fontRef>
-        </p:style>
-        <p:txBody>
-          <a:bodyPr rtlCol="0" anchor="ctr"/>
-          <a:lstStyle/>
-          <a:p>
-            <a:pPr algn="ctr"/>
-            <a:r>
-              <a:rPr lang="es-ES" dirty="0" err="1"/>
-              <a:t>YATACore</a:t>
-            </a:r>
-            <a:endParaRPr lang="es-ES" dirty="0"/>
-          </a:p>
-        </p:txBody>
-      </p:sp>
-      <p:sp>
-        <p:nvSpPr>
-          <p:cNvPr id="9" name="Rectángulo 8">
-            <a:extLst>
-              <a:ext uri="{FF2B5EF4-FFF2-40B4-BE49-F238E27FC236}">
-                <a16:creationId xmlns:a16="http://schemas.microsoft.com/office/drawing/2014/main" id="{05547D4D-C191-46CA-A147-BA7B3E79BF98}"/>
-              </a:ext>
-            </a:extLst>
-          </p:cNvPr>
-          <p:cNvSpPr/>
-          <p:nvPr/>
-        </p:nvSpPr>
-        <p:spPr>
-          <a:xfrm>
-            <a:off x="4321230" y="4328956"/>
-            <a:ext cx="1620000" cy="900000"/>
-          </a:xfrm>
-          <a:prstGeom prst="rect">
-            <a:avLst/>
-          </a:prstGeom>
-        </p:spPr>
-        <p:style>
-          <a:lnRef idx="2">
-            <a:schemeClr val="accent1">
-              <a:shade val="50000"/>
-            </a:schemeClr>
-          </a:lnRef>
-          <a:fillRef idx="1">
-            <a:schemeClr val="accent1"/>
-          </a:fillRef>
-          <a:effectRef idx="0">
-            <a:schemeClr val="accent1"/>
-          </a:effectRef>
-          <a:fontRef idx="minor">
-            <a:schemeClr val="lt1"/>
-          </a:fontRef>
-        </p:style>
-        <p:txBody>
-          <a:bodyPr rtlCol="0" anchor="ctr"/>
-          <a:lstStyle/>
-          <a:p>
-            <a:pPr algn="ctr"/>
-            <a:r>
-              <a:rPr lang="es-ES" dirty="0"/>
-              <a:t>YATADB</a:t>
-            </a:r>
-          </a:p>
-        </p:txBody>
-      </p:sp>
-      <p:sp>
-        <p:nvSpPr>
-          <p:cNvPr id="10" name="Rectángulo 9">
-            <a:extLst>
-              <a:ext uri="{FF2B5EF4-FFF2-40B4-BE49-F238E27FC236}">
-                <a16:creationId xmlns:a16="http://schemas.microsoft.com/office/drawing/2014/main" id="{1BAEE66E-DE17-4E04-8F77-6471CA42766E}"/>
-              </a:ext>
-            </a:extLst>
-          </p:cNvPr>
-          <p:cNvSpPr/>
-          <p:nvPr/>
-        </p:nvSpPr>
-        <p:spPr>
-          <a:xfrm>
-            <a:off x="2496709" y="4328955"/>
-            <a:ext cx="1620000" cy="1185437"/>
-          </a:xfrm>
-          <a:prstGeom prst="rect">
-            <a:avLst/>
-          </a:prstGeom>
-          <a:ln>
-            <a:noFill/>
-          </a:ln>
-        </p:spPr>
-        <p:style>
-          <a:lnRef idx="2">
-            <a:schemeClr val="accent1">
-              <a:shade val="50000"/>
-            </a:schemeClr>
-          </a:lnRef>
-          <a:fillRef idx="1">
-            <a:schemeClr val="accent1"/>
-          </a:fillRef>
-          <a:effectRef idx="0">
-            <a:schemeClr val="accent1"/>
-          </a:effectRef>
-          <a:fontRef idx="minor">
-            <a:schemeClr val="lt1"/>
-          </a:fontRef>
-        </p:style>
-        <p:txBody>
-          <a:bodyPr rtlCol="0" anchor="ctr"/>
-          <a:lstStyle/>
-          <a:p>
-            <a:pPr algn="ctr"/>
-            <a:endParaRPr lang="es-ES" dirty="0"/>
-          </a:p>
-        </p:txBody>
-      </p:sp>
-      <p:sp>
-        <p:nvSpPr>
-          <p:cNvPr id="11" name="Rectángulo 10">
-            <a:extLst>
-              <a:ext uri="{FF2B5EF4-FFF2-40B4-BE49-F238E27FC236}">
-                <a16:creationId xmlns:a16="http://schemas.microsoft.com/office/drawing/2014/main" id="{3DC97ECA-E74E-451B-A103-3120A1AF806E}"/>
-              </a:ext>
-            </a:extLst>
-          </p:cNvPr>
-          <p:cNvSpPr/>
-          <p:nvPr/>
-        </p:nvSpPr>
-        <p:spPr>
-          <a:xfrm>
-            <a:off x="7970273" y="4328955"/>
-            <a:ext cx="1620000" cy="1250751"/>
-          </a:xfrm>
-          <a:prstGeom prst="rect">
-            <a:avLst/>
-          </a:prstGeom>
-          <a:ln>
-            <a:noFill/>
-          </a:ln>
-        </p:spPr>
-        <p:style>
-          <a:lnRef idx="2">
-            <a:schemeClr val="accent1">
-              <a:shade val="50000"/>
-            </a:schemeClr>
-          </a:lnRef>
-          <a:fillRef idx="1">
-            <a:schemeClr val="accent1"/>
-          </a:fillRef>
-          <a:effectRef idx="0">
-            <a:schemeClr val="accent1"/>
-          </a:effectRef>
-          <a:fontRef idx="minor">
-            <a:schemeClr val="lt1"/>
-          </a:fontRef>
-        </p:style>
-        <p:txBody>
-          <a:bodyPr rtlCol="0" anchor="ctr"/>
-          <a:lstStyle/>
-          <a:p>
-            <a:pPr algn="ctr"/>
-            <a:endParaRPr lang="es-ES" dirty="0"/>
+              <a:rPr lang="es-ES" sz="1400" dirty="0" err="1"/>
+              <a:t>YATASetup</a:t>
+            </a:r>
+            <a:endParaRPr lang="es-ES" sz="1400" dirty="0"/>
           </a:p>
         </p:txBody>
       </p:sp>
@@ -3683,13 +3493,14 @@
           <p:cNvCxnSpPr>
             <a:cxnSpLocks/>
             <a:stCxn id="9" idx="2"/>
+            <a:endCxn id="117" idx="0"/>
           </p:cNvCxnSpPr>
           <p:nvPr/>
         </p:nvCxnSpPr>
         <p:spPr>
           <a:xfrm>
-            <a:off x="5131230" y="5228956"/>
-            <a:ext cx="0" cy="284544"/>
+            <a:off x="3256957" y="5448344"/>
+            <a:ext cx="7069" cy="501501"/>
           </a:xfrm>
           <a:prstGeom prst="straightConnector1">
             <a:avLst/>
@@ -3724,13 +3535,15 @@
           </p:cNvPr>
           <p:cNvCxnSpPr>
             <a:cxnSpLocks/>
+            <a:stCxn id="7" idx="2"/>
+            <a:endCxn id="120" idx="0"/>
           </p:cNvCxnSpPr>
           <p:nvPr/>
         </p:nvCxnSpPr>
         <p:spPr>
           <a:xfrm>
-            <a:off x="6925819" y="5222734"/>
-            <a:ext cx="0" cy="284544"/>
+            <a:off x="5034823" y="5448344"/>
+            <a:ext cx="6373" cy="501501"/>
           </a:xfrm>
           <a:prstGeom prst="straightConnector1">
             <a:avLst/>
@@ -3765,14 +3578,15 @@
           </p:cNvPr>
           <p:cNvCxnSpPr>
             <a:cxnSpLocks/>
+            <a:stCxn id="249" idx="2"/>
             <a:endCxn id="9" idx="0"/>
           </p:cNvCxnSpPr>
           <p:nvPr/>
         </p:nvCxnSpPr>
         <p:spPr>
-          <a:xfrm>
-            <a:off x="5076801" y="3249845"/>
-            <a:ext cx="54429" cy="1079111"/>
+          <a:xfrm flipH="1">
+            <a:off x="3256957" y="4260191"/>
+            <a:ext cx="9329" cy="648153"/>
           </a:xfrm>
           <a:prstGeom prst="straightConnector1">
             <a:avLst/>
@@ -3807,13 +3621,15 @@
           </p:cNvPr>
           <p:cNvCxnSpPr>
             <a:cxnSpLocks/>
+            <a:stCxn id="129" idx="2"/>
+            <a:endCxn id="7" idx="0"/>
           </p:cNvCxnSpPr>
           <p:nvPr/>
         </p:nvCxnSpPr>
         <p:spPr>
           <a:xfrm>
-            <a:off x="7060772" y="3305531"/>
-            <a:ext cx="0" cy="1076141"/>
+            <a:off x="5031865" y="4250864"/>
+            <a:ext cx="2958" cy="657480"/>
           </a:xfrm>
           <a:prstGeom prst="straightConnector1">
             <a:avLst/>
@@ -3849,14 +3665,14 @@
           <p:cNvCxnSpPr>
             <a:cxnSpLocks/>
             <a:stCxn id="6" idx="2"/>
-            <a:endCxn id="10" idx="0"/>
+            <a:endCxn id="177" idx="0"/>
           </p:cNvCxnSpPr>
           <p:nvPr/>
         </p:nvCxnSpPr>
         <p:spPr>
           <a:xfrm>
-            <a:off x="3306709" y="3249845"/>
-            <a:ext cx="0" cy="1079110"/>
+            <a:off x="1109546" y="4253442"/>
+            <a:ext cx="32473" cy="1704871"/>
           </a:xfrm>
           <a:prstGeom prst="straightConnector1">
             <a:avLst/>
@@ -3898,8 +3714,8 @@
         </p:nvCxnSpPr>
         <p:spPr>
           <a:xfrm>
-            <a:off x="4116709" y="2799845"/>
-            <a:ext cx="232164" cy="11690"/>
+            <a:off x="1919546" y="3983442"/>
+            <a:ext cx="549916" cy="0"/>
           </a:xfrm>
           <a:prstGeom prst="straightConnector1">
             <a:avLst/>
@@ -3934,14 +3750,15 @@
           </p:cNvPr>
           <p:cNvCxnSpPr>
             <a:cxnSpLocks/>
-            <a:endCxn id="11" idx="0"/>
+            <a:stCxn id="155" idx="2"/>
+            <a:endCxn id="78" idx="0"/>
           </p:cNvCxnSpPr>
           <p:nvPr/>
         </p:nvCxnSpPr>
         <p:spPr>
           <a:xfrm>
-            <a:off x="8780273" y="3243623"/>
-            <a:ext cx="0" cy="1085332"/>
+            <a:off x="6677994" y="3208489"/>
+            <a:ext cx="0" cy="504953"/>
           </a:xfrm>
           <a:prstGeom prst="straightConnector1">
             <a:avLst/>
@@ -3965,6 +3782,2642 @@
           </a:fontRef>
         </p:style>
       </p:cxnSp>
+      <p:cxnSp>
+        <p:nvCxnSpPr>
+          <p:cNvPr id="43" name="Conector recto de flecha 42">
+            <a:extLst>
+              <a:ext uri="{FF2B5EF4-FFF2-40B4-BE49-F238E27FC236}">
+                <a16:creationId xmlns:a16="http://schemas.microsoft.com/office/drawing/2014/main" id="{3D83E8EE-1585-4F53-960D-744188298B53}"/>
+              </a:ext>
+            </a:extLst>
+          </p:cNvPr>
+          <p:cNvCxnSpPr>
+            <a:cxnSpLocks/>
+            <a:stCxn id="41" idx="2"/>
+            <a:endCxn id="82" idx="0"/>
+          </p:cNvCxnSpPr>
+          <p:nvPr/>
+        </p:nvCxnSpPr>
+        <p:spPr>
+          <a:xfrm flipH="1">
+            <a:off x="2845691" y="2198586"/>
+            <a:ext cx="20935" cy="1539536"/>
+          </a:xfrm>
+          <a:prstGeom prst="straightConnector1">
+            <a:avLst/>
+          </a:prstGeom>
+          <a:ln>
+            <a:tailEnd type="triangle"/>
+          </a:ln>
+        </p:spPr>
+        <p:style>
+          <a:lnRef idx="1">
+            <a:schemeClr val="accent1"/>
+          </a:lnRef>
+          <a:fillRef idx="0">
+            <a:schemeClr val="accent1"/>
+          </a:fillRef>
+          <a:effectRef idx="0">
+            <a:schemeClr val="accent1"/>
+          </a:effectRef>
+          <a:fontRef idx="minor">
+            <a:schemeClr val="tx1"/>
+          </a:fontRef>
+        </p:style>
+      </p:cxnSp>
+      <p:cxnSp>
+        <p:nvCxnSpPr>
+          <p:cNvPr id="56" name="Conector recto de flecha 55">
+            <a:extLst>
+              <a:ext uri="{FF2B5EF4-FFF2-40B4-BE49-F238E27FC236}">
+                <a16:creationId xmlns:a16="http://schemas.microsoft.com/office/drawing/2014/main" id="{65727231-657F-4D5F-9C24-103F8A605962}"/>
+              </a:ext>
+            </a:extLst>
+          </p:cNvPr>
+          <p:cNvCxnSpPr>
+            <a:cxnSpLocks/>
+            <a:stCxn id="52" idx="3"/>
+            <a:endCxn id="45" idx="1"/>
+          </p:cNvCxnSpPr>
+          <p:nvPr/>
+        </p:nvCxnSpPr>
+        <p:spPr>
+          <a:xfrm>
+            <a:off x="7935656" y="2960222"/>
+            <a:ext cx="489346" cy="0"/>
+          </a:xfrm>
+          <a:prstGeom prst="straightConnector1">
+            <a:avLst/>
+          </a:prstGeom>
+          <a:ln>
+            <a:tailEnd type="triangle"/>
+          </a:ln>
+        </p:spPr>
+        <p:style>
+          <a:lnRef idx="1">
+            <a:schemeClr val="accent1"/>
+          </a:lnRef>
+          <a:fillRef idx="0">
+            <a:schemeClr val="accent1"/>
+          </a:fillRef>
+          <a:effectRef idx="0">
+            <a:schemeClr val="accent1"/>
+          </a:effectRef>
+          <a:fontRef idx="minor">
+            <a:schemeClr val="tx1"/>
+          </a:fontRef>
+        </p:style>
+      </p:cxnSp>
+      <p:cxnSp>
+        <p:nvCxnSpPr>
+          <p:cNvPr id="63" name="Conector recto de flecha 62">
+            <a:extLst>
+              <a:ext uri="{FF2B5EF4-FFF2-40B4-BE49-F238E27FC236}">
+                <a16:creationId xmlns:a16="http://schemas.microsoft.com/office/drawing/2014/main" id="{D72EDAB3-1A5D-4A76-939E-EC839A439905}"/>
+              </a:ext>
+            </a:extLst>
+          </p:cNvPr>
+          <p:cNvCxnSpPr>
+            <a:cxnSpLocks/>
+            <a:stCxn id="45" idx="2"/>
+            <a:endCxn id="75" idx="0"/>
+          </p:cNvCxnSpPr>
+          <p:nvPr/>
+        </p:nvCxnSpPr>
+        <p:spPr>
+          <a:xfrm>
+            <a:off x="9235002" y="3230222"/>
+            <a:ext cx="43145" cy="2719623"/>
+          </a:xfrm>
+          <a:prstGeom prst="straightConnector1">
+            <a:avLst/>
+          </a:prstGeom>
+          <a:ln>
+            <a:tailEnd type="triangle"/>
+          </a:ln>
+        </p:spPr>
+        <p:style>
+          <a:lnRef idx="1">
+            <a:schemeClr val="accent1"/>
+          </a:lnRef>
+          <a:fillRef idx="0">
+            <a:schemeClr val="accent1"/>
+          </a:fillRef>
+          <a:effectRef idx="0">
+            <a:schemeClr val="accent1"/>
+          </a:effectRef>
+          <a:fontRef idx="minor">
+            <a:schemeClr val="tx1"/>
+          </a:fontRef>
+        </p:style>
+      </p:cxnSp>
+      <p:sp>
+        <p:nvSpPr>
+          <p:cNvPr id="66" name="Rectángulo 65">
+            <a:extLst>
+              <a:ext uri="{FF2B5EF4-FFF2-40B4-BE49-F238E27FC236}">
+                <a16:creationId xmlns:a16="http://schemas.microsoft.com/office/drawing/2014/main" id="{796E1495-F981-4B8B-9141-F343AB039B7B}"/>
+              </a:ext>
+            </a:extLst>
+          </p:cNvPr>
+          <p:cNvSpPr/>
+          <p:nvPr/>
+        </p:nvSpPr>
+        <p:spPr>
+          <a:xfrm>
+            <a:off x="299546" y="1659052"/>
+            <a:ext cx="1620000" cy="540000"/>
+          </a:xfrm>
+          <a:prstGeom prst="rect">
+            <a:avLst/>
+          </a:prstGeom>
+          <a:solidFill>
+            <a:srgbClr val="7030A0"/>
+          </a:solidFill>
+        </p:spPr>
+        <p:style>
+          <a:lnRef idx="2">
+            <a:schemeClr val="accent1">
+              <a:shade val="50000"/>
+            </a:schemeClr>
+          </a:lnRef>
+          <a:fillRef idx="1">
+            <a:schemeClr val="accent1"/>
+          </a:fillRef>
+          <a:effectRef idx="0">
+            <a:schemeClr val="accent1"/>
+          </a:effectRef>
+          <a:fontRef idx="minor">
+            <a:schemeClr val="lt1"/>
+          </a:fontRef>
+        </p:style>
+        <p:txBody>
+          <a:bodyPr rtlCol="0" anchor="ctr"/>
+          <a:lstStyle/>
+          <a:p>
+            <a:pPr algn="ctr"/>
+            <a:r>
+              <a:rPr lang="es-ES" sz="1400" dirty="0"/>
+              <a:t>YATACLI</a:t>
+            </a:r>
+          </a:p>
+        </p:txBody>
+      </p:sp>
+      <p:sp>
+        <p:nvSpPr>
+          <p:cNvPr id="75" name="Rectángulo 74">
+            <a:extLst>
+              <a:ext uri="{FF2B5EF4-FFF2-40B4-BE49-F238E27FC236}">
+                <a16:creationId xmlns:a16="http://schemas.microsoft.com/office/drawing/2014/main" id="{6C9C1709-6972-4997-9F27-7840D9CCE326}"/>
+              </a:ext>
+            </a:extLst>
+          </p:cNvPr>
+          <p:cNvSpPr/>
+          <p:nvPr/>
+        </p:nvSpPr>
+        <p:spPr>
+          <a:xfrm>
+            <a:off x="9098147" y="5949845"/>
+            <a:ext cx="360000" cy="360000"/>
+          </a:xfrm>
+          <a:prstGeom prst="rect">
+            <a:avLst/>
+          </a:prstGeom>
+          <a:solidFill>
+            <a:schemeClr val="bg1">
+              <a:lumMod val="50000"/>
+            </a:schemeClr>
+          </a:solidFill>
+          <a:ln>
+            <a:noFill/>
+          </a:ln>
+        </p:spPr>
+        <p:style>
+          <a:lnRef idx="2">
+            <a:schemeClr val="accent1">
+              <a:shade val="50000"/>
+            </a:schemeClr>
+          </a:lnRef>
+          <a:fillRef idx="1">
+            <a:schemeClr val="accent1"/>
+          </a:fillRef>
+          <a:effectRef idx="0">
+            <a:schemeClr val="accent1"/>
+          </a:effectRef>
+          <a:fontRef idx="minor">
+            <a:schemeClr val="lt1"/>
+          </a:fontRef>
+        </p:style>
+        <p:txBody>
+          <a:bodyPr rtlCol="0" anchor="ctr"/>
+          <a:lstStyle/>
+          <a:p>
+            <a:pPr algn="ctr"/>
+            <a:endParaRPr lang="es-ES" dirty="0"/>
+          </a:p>
+        </p:txBody>
+      </p:sp>
+      <p:sp>
+        <p:nvSpPr>
+          <p:cNvPr id="78" name="Rectángulo 77">
+            <a:extLst>
+              <a:ext uri="{FF2B5EF4-FFF2-40B4-BE49-F238E27FC236}">
+                <a16:creationId xmlns:a16="http://schemas.microsoft.com/office/drawing/2014/main" id="{9438B912-0076-4AF6-9AA6-7E745550BB19}"/>
+              </a:ext>
+            </a:extLst>
+          </p:cNvPr>
+          <p:cNvSpPr/>
+          <p:nvPr/>
+        </p:nvSpPr>
+        <p:spPr>
+          <a:xfrm>
+            <a:off x="6497994" y="3713442"/>
+            <a:ext cx="360000" cy="360000"/>
+          </a:xfrm>
+          <a:prstGeom prst="rect">
+            <a:avLst/>
+          </a:prstGeom>
+          <a:solidFill>
+            <a:schemeClr val="bg1">
+              <a:lumMod val="50000"/>
+            </a:schemeClr>
+          </a:solidFill>
+          <a:ln>
+            <a:noFill/>
+          </a:ln>
+        </p:spPr>
+        <p:style>
+          <a:lnRef idx="2">
+            <a:schemeClr val="accent1">
+              <a:shade val="50000"/>
+            </a:schemeClr>
+          </a:lnRef>
+          <a:fillRef idx="1">
+            <a:schemeClr val="accent1"/>
+          </a:fillRef>
+          <a:effectRef idx="0">
+            <a:schemeClr val="accent1"/>
+          </a:effectRef>
+          <a:fontRef idx="minor">
+            <a:schemeClr val="lt1"/>
+          </a:fontRef>
+        </p:style>
+        <p:txBody>
+          <a:bodyPr rtlCol="0" anchor="ctr"/>
+          <a:lstStyle/>
+          <a:p>
+            <a:pPr algn="ctr"/>
+            <a:endParaRPr lang="es-ES" dirty="0"/>
+          </a:p>
+        </p:txBody>
+      </p:sp>
+      <p:sp>
+        <p:nvSpPr>
+          <p:cNvPr id="82" name="Rectángulo 81">
+            <a:extLst>
+              <a:ext uri="{FF2B5EF4-FFF2-40B4-BE49-F238E27FC236}">
+                <a16:creationId xmlns:a16="http://schemas.microsoft.com/office/drawing/2014/main" id="{BE01C335-D12E-4F1D-9A43-59975E720012}"/>
+              </a:ext>
+            </a:extLst>
+          </p:cNvPr>
+          <p:cNvSpPr/>
+          <p:nvPr/>
+        </p:nvSpPr>
+        <p:spPr>
+          <a:xfrm>
+            <a:off x="2665691" y="3738122"/>
+            <a:ext cx="360000" cy="360000"/>
+          </a:xfrm>
+          <a:prstGeom prst="rect">
+            <a:avLst/>
+          </a:prstGeom>
+          <a:solidFill>
+            <a:schemeClr val="bg1">
+              <a:lumMod val="50000"/>
+            </a:schemeClr>
+          </a:solidFill>
+          <a:ln>
+            <a:noFill/>
+          </a:ln>
+        </p:spPr>
+        <p:style>
+          <a:lnRef idx="2">
+            <a:schemeClr val="accent1">
+              <a:shade val="50000"/>
+            </a:schemeClr>
+          </a:lnRef>
+          <a:fillRef idx="1">
+            <a:schemeClr val="accent1"/>
+          </a:fillRef>
+          <a:effectRef idx="0">
+            <a:schemeClr val="accent1"/>
+          </a:effectRef>
+          <a:fontRef idx="minor">
+            <a:schemeClr val="lt1"/>
+          </a:fontRef>
+        </p:style>
+        <p:txBody>
+          <a:bodyPr rtlCol="0" anchor="ctr"/>
+          <a:lstStyle/>
+          <a:p>
+            <a:pPr algn="ctr"/>
+            <a:endParaRPr lang="es-ES" sz="1400" dirty="0"/>
+          </a:p>
+        </p:txBody>
+      </p:sp>
+      <p:sp>
+        <p:nvSpPr>
+          <p:cNvPr id="87" name="Rectángulo 86">
+            <a:extLst>
+              <a:ext uri="{FF2B5EF4-FFF2-40B4-BE49-F238E27FC236}">
+                <a16:creationId xmlns:a16="http://schemas.microsoft.com/office/drawing/2014/main" id="{B03A0ED9-76F4-412F-A494-028BB3432E0C}"/>
+              </a:ext>
+            </a:extLst>
+          </p:cNvPr>
+          <p:cNvSpPr/>
+          <p:nvPr/>
+        </p:nvSpPr>
+        <p:spPr>
+          <a:xfrm>
+            <a:off x="5916318" y="3713442"/>
+            <a:ext cx="360000" cy="360000"/>
+          </a:xfrm>
+          <a:prstGeom prst="rect">
+            <a:avLst/>
+          </a:prstGeom>
+          <a:solidFill>
+            <a:schemeClr val="bg1">
+              <a:lumMod val="50000"/>
+            </a:schemeClr>
+          </a:solidFill>
+          <a:ln>
+            <a:noFill/>
+          </a:ln>
+        </p:spPr>
+        <p:style>
+          <a:lnRef idx="2">
+            <a:schemeClr val="accent1">
+              <a:shade val="50000"/>
+            </a:schemeClr>
+          </a:lnRef>
+          <a:fillRef idx="1">
+            <a:schemeClr val="accent1"/>
+          </a:fillRef>
+          <a:effectRef idx="0">
+            <a:schemeClr val="accent1"/>
+          </a:effectRef>
+          <a:fontRef idx="minor">
+            <a:schemeClr val="lt1"/>
+          </a:fontRef>
+        </p:style>
+        <p:txBody>
+          <a:bodyPr rtlCol="0" anchor="ctr"/>
+          <a:lstStyle/>
+          <a:p>
+            <a:pPr algn="ctr"/>
+            <a:endParaRPr lang="es-ES" sz="1400" dirty="0"/>
+          </a:p>
+        </p:txBody>
+      </p:sp>
+      <p:cxnSp>
+        <p:nvCxnSpPr>
+          <p:cNvPr id="88" name="Conector recto de flecha 87">
+            <a:extLst>
+              <a:ext uri="{FF2B5EF4-FFF2-40B4-BE49-F238E27FC236}">
+                <a16:creationId xmlns:a16="http://schemas.microsoft.com/office/drawing/2014/main" id="{35883145-624A-4FBF-9DDD-55F833C98845}"/>
+              </a:ext>
+            </a:extLst>
+          </p:cNvPr>
+          <p:cNvCxnSpPr>
+            <a:cxnSpLocks/>
+            <a:stCxn id="94" idx="2"/>
+            <a:endCxn id="87" idx="0"/>
+          </p:cNvCxnSpPr>
+          <p:nvPr/>
+        </p:nvCxnSpPr>
+        <p:spPr>
+          <a:xfrm flipH="1">
+            <a:off x="6096318" y="2187703"/>
+            <a:ext cx="9336" cy="1525739"/>
+          </a:xfrm>
+          <a:prstGeom prst="straightConnector1">
+            <a:avLst/>
+          </a:prstGeom>
+          <a:ln>
+            <a:tailEnd type="triangle"/>
+          </a:ln>
+        </p:spPr>
+        <p:style>
+          <a:lnRef idx="1">
+            <a:schemeClr val="accent1"/>
+          </a:lnRef>
+          <a:fillRef idx="0">
+            <a:schemeClr val="accent1"/>
+          </a:fillRef>
+          <a:effectRef idx="0">
+            <a:schemeClr val="accent1"/>
+          </a:effectRef>
+          <a:fontRef idx="minor">
+            <a:schemeClr val="tx1"/>
+          </a:fontRef>
+        </p:style>
+      </p:cxnSp>
+      <p:sp>
+        <p:nvSpPr>
+          <p:cNvPr id="94" name="Rectángulo 93">
+            <a:extLst>
+              <a:ext uri="{FF2B5EF4-FFF2-40B4-BE49-F238E27FC236}">
+                <a16:creationId xmlns:a16="http://schemas.microsoft.com/office/drawing/2014/main" id="{6B0538D6-F660-4637-AE16-B53930DE561D}"/>
+              </a:ext>
+            </a:extLst>
+          </p:cNvPr>
+          <p:cNvSpPr/>
+          <p:nvPr/>
+        </p:nvSpPr>
+        <p:spPr>
+          <a:xfrm>
+            <a:off x="5925654" y="1827703"/>
+            <a:ext cx="360000" cy="360000"/>
+          </a:xfrm>
+          <a:prstGeom prst="rect">
+            <a:avLst/>
+          </a:prstGeom>
+          <a:solidFill>
+            <a:schemeClr val="bg1">
+              <a:lumMod val="50000"/>
+            </a:schemeClr>
+          </a:solidFill>
+          <a:ln>
+            <a:noFill/>
+          </a:ln>
+        </p:spPr>
+        <p:style>
+          <a:lnRef idx="2">
+            <a:schemeClr val="accent1">
+              <a:shade val="50000"/>
+            </a:schemeClr>
+          </a:lnRef>
+          <a:fillRef idx="1">
+            <a:schemeClr val="accent1"/>
+          </a:fillRef>
+          <a:effectRef idx="0">
+            <a:schemeClr val="accent1"/>
+          </a:effectRef>
+          <a:fontRef idx="minor">
+            <a:schemeClr val="lt1"/>
+          </a:fontRef>
+        </p:style>
+        <p:txBody>
+          <a:bodyPr rtlCol="0" anchor="ctr"/>
+          <a:lstStyle/>
+          <a:p>
+            <a:pPr algn="ctr"/>
+            <a:endParaRPr lang="es-ES" sz="1400" dirty="0"/>
+          </a:p>
+        </p:txBody>
+      </p:sp>
+      <p:sp>
+        <p:nvSpPr>
+          <p:cNvPr id="97" name="Rectángulo 96">
+            <a:extLst>
+              <a:ext uri="{FF2B5EF4-FFF2-40B4-BE49-F238E27FC236}">
+                <a16:creationId xmlns:a16="http://schemas.microsoft.com/office/drawing/2014/main" id="{1F855F1E-7B61-421C-86A5-0CC4B883A4C1}"/>
+              </a:ext>
+            </a:extLst>
+          </p:cNvPr>
+          <p:cNvSpPr/>
+          <p:nvPr/>
+        </p:nvSpPr>
+        <p:spPr>
+          <a:xfrm>
+            <a:off x="6947306" y="1828123"/>
+            <a:ext cx="360000" cy="360000"/>
+          </a:xfrm>
+          <a:prstGeom prst="rect">
+            <a:avLst/>
+          </a:prstGeom>
+          <a:solidFill>
+            <a:schemeClr val="bg1">
+              <a:lumMod val="50000"/>
+            </a:schemeClr>
+          </a:solidFill>
+          <a:ln>
+            <a:noFill/>
+          </a:ln>
+        </p:spPr>
+        <p:style>
+          <a:lnRef idx="2">
+            <a:schemeClr val="accent1">
+              <a:shade val="50000"/>
+            </a:schemeClr>
+          </a:lnRef>
+          <a:fillRef idx="1">
+            <a:schemeClr val="accent1"/>
+          </a:fillRef>
+          <a:effectRef idx="0">
+            <a:schemeClr val="accent1"/>
+          </a:effectRef>
+          <a:fontRef idx="minor">
+            <a:schemeClr val="lt1"/>
+          </a:fontRef>
+        </p:style>
+        <p:txBody>
+          <a:bodyPr rtlCol="0" anchor="ctr"/>
+          <a:lstStyle/>
+          <a:p>
+            <a:pPr algn="ctr"/>
+            <a:endParaRPr lang="es-ES" sz="1400" dirty="0"/>
+          </a:p>
+        </p:txBody>
+      </p:sp>
+      <p:cxnSp>
+        <p:nvCxnSpPr>
+          <p:cNvPr id="98" name="Conector recto de flecha 97">
+            <a:extLst>
+              <a:ext uri="{FF2B5EF4-FFF2-40B4-BE49-F238E27FC236}">
+                <a16:creationId xmlns:a16="http://schemas.microsoft.com/office/drawing/2014/main" id="{C231E459-C8E9-4F8D-AD74-86F3246F2806}"/>
+              </a:ext>
+            </a:extLst>
+          </p:cNvPr>
+          <p:cNvCxnSpPr>
+            <a:cxnSpLocks/>
+            <a:stCxn id="97" idx="2"/>
+            <a:endCxn id="52" idx="0"/>
+          </p:cNvCxnSpPr>
+          <p:nvPr/>
+        </p:nvCxnSpPr>
+        <p:spPr>
+          <a:xfrm flipH="1">
+            <a:off x="7125656" y="2188123"/>
+            <a:ext cx="1650" cy="502099"/>
+          </a:xfrm>
+          <a:prstGeom prst="straightConnector1">
+            <a:avLst/>
+          </a:prstGeom>
+          <a:ln>
+            <a:tailEnd type="triangle"/>
+          </a:ln>
+        </p:spPr>
+        <p:style>
+          <a:lnRef idx="1">
+            <a:schemeClr val="accent1"/>
+          </a:lnRef>
+          <a:fillRef idx="0">
+            <a:schemeClr val="accent1"/>
+          </a:fillRef>
+          <a:effectRef idx="0">
+            <a:schemeClr val="accent1"/>
+          </a:effectRef>
+          <a:fontRef idx="minor">
+            <a:schemeClr val="tx1"/>
+          </a:fontRef>
+        </p:style>
+      </p:cxnSp>
+      <p:sp>
+        <p:nvSpPr>
+          <p:cNvPr id="102" name="Rectángulo 101">
+            <a:extLst>
+              <a:ext uri="{FF2B5EF4-FFF2-40B4-BE49-F238E27FC236}">
+                <a16:creationId xmlns:a16="http://schemas.microsoft.com/office/drawing/2014/main" id="{097B135E-8E9B-4FF6-BD06-6FFC7E2E3879}"/>
+              </a:ext>
+            </a:extLst>
+          </p:cNvPr>
+          <p:cNvSpPr/>
+          <p:nvPr/>
+        </p:nvSpPr>
+        <p:spPr>
+          <a:xfrm>
+            <a:off x="8857256" y="1818395"/>
+            <a:ext cx="327273" cy="360000"/>
+          </a:xfrm>
+          <a:prstGeom prst="rect">
+            <a:avLst/>
+          </a:prstGeom>
+          <a:solidFill>
+            <a:schemeClr val="bg1">
+              <a:lumMod val="50000"/>
+            </a:schemeClr>
+          </a:solidFill>
+          <a:ln>
+            <a:noFill/>
+          </a:ln>
+        </p:spPr>
+        <p:style>
+          <a:lnRef idx="2">
+            <a:schemeClr val="accent1">
+              <a:shade val="50000"/>
+            </a:schemeClr>
+          </a:lnRef>
+          <a:fillRef idx="1">
+            <a:schemeClr val="accent1"/>
+          </a:fillRef>
+          <a:effectRef idx="0">
+            <a:schemeClr val="accent1"/>
+          </a:effectRef>
+          <a:fontRef idx="minor">
+            <a:schemeClr val="lt1"/>
+          </a:fontRef>
+        </p:style>
+        <p:txBody>
+          <a:bodyPr rtlCol="0" anchor="ctr"/>
+          <a:lstStyle/>
+          <a:p>
+            <a:pPr algn="ctr"/>
+            <a:endParaRPr lang="es-ES" sz="1400" dirty="0"/>
+          </a:p>
+        </p:txBody>
+      </p:sp>
+      <p:cxnSp>
+        <p:nvCxnSpPr>
+          <p:cNvPr id="103" name="Conector recto de flecha 102">
+            <a:extLst>
+              <a:ext uri="{FF2B5EF4-FFF2-40B4-BE49-F238E27FC236}">
+                <a16:creationId xmlns:a16="http://schemas.microsoft.com/office/drawing/2014/main" id="{D57B6458-8BC0-4615-BD1C-A8D0BDCAE0B5}"/>
+              </a:ext>
+            </a:extLst>
+          </p:cNvPr>
+          <p:cNvCxnSpPr>
+            <a:cxnSpLocks/>
+            <a:stCxn id="102" idx="2"/>
+            <a:endCxn id="244" idx="0"/>
+          </p:cNvCxnSpPr>
+          <p:nvPr/>
+        </p:nvCxnSpPr>
+        <p:spPr>
+          <a:xfrm flipH="1">
+            <a:off x="9020215" y="2178395"/>
+            <a:ext cx="678" cy="526838"/>
+          </a:xfrm>
+          <a:prstGeom prst="straightConnector1">
+            <a:avLst/>
+          </a:prstGeom>
+          <a:ln>
+            <a:tailEnd type="triangle"/>
+          </a:ln>
+        </p:spPr>
+        <p:style>
+          <a:lnRef idx="1">
+            <a:schemeClr val="accent1"/>
+          </a:lnRef>
+          <a:fillRef idx="0">
+            <a:schemeClr val="accent1"/>
+          </a:fillRef>
+          <a:effectRef idx="0">
+            <a:schemeClr val="accent1"/>
+          </a:effectRef>
+          <a:fontRef idx="minor">
+            <a:schemeClr val="tx1"/>
+          </a:fontRef>
+        </p:style>
+      </p:cxnSp>
+      <p:sp>
+        <p:nvSpPr>
+          <p:cNvPr id="117" name="Rectángulo 116">
+            <a:extLst>
+              <a:ext uri="{FF2B5EF4-FFF2-40B4-BE49-F238E27FC236}">
+                <a16:creationId xmlns:a16="http://schemas.microsoft.com/office/drawing/2014/main" id="{B1FA9BE1-EBD7-4B6D-AAF8-86DEAD224822}"/>
+              </a:ext>
+            </a:extLst>
+          </p:cNvPr>
+          <p:cNvSpPr/>
+          <p:nvPr/>
+        </p:nvSpPr>
+        <p:spPr>
+          <a:xfrm>
+            <a:off x="3084026" y="5949845"/>
+            <a:ext cx="360000" cy="360000"/>
+          </a:xfrm>
+          <a:prstGeom prst="rect">
+            <a:avLst/>
+          </a:prstGeom>
+          <a:solidFill>
+            <a:schemeClr val="bg1">
+              <a:lumMod val="50000"/>
+            </a:schemeClr>
+          </a:solidFill>
+          <a:ln>
+            <a:noFill/>
+          </a:ln>
+        </p:spPr>
+        <p:style>
+          <a:lnRef idx="2">
+            <a:schemeClr val="accent1">
+              <a:shade val="50000"/>
+            </a:schemeClr>
+          </a:lnRef>
+          <a:fillRef idx="1">
+            <a:schemeClr val="accent1"/>
+          </a:fillRef>
+          <a:effectRef idx="0">
+            <a:schemeClr val="accent1"/>
+          </a:effectRef>
+          <a:fontRef idx="minor">
+            <a:schemeClr val="lt1"/>
+          </a:fontRef>
+        </p:style>
+        <p:txBody>
+          <a:bodyPr rtlCol="0" anchor="ctr"/>
+          <a:lstStyle/>
+          <a:p>
+            <a:pPr algn="ctr"/>
+            <a:endParaRPr lang="es-ES" sz="1400" dirty="0"/>
+          </a:p>
+        </p:txBody>
+      </p:sp>
+      <p:sp>
+        <p:nvSpPr>
+          <p:cNvPr id="120" name="Rectángulo 119">
+            <a:extLst>
+              <a:ext uri="{FF2B5EF4-FFF2-40B4-BE49-F238E27FC236}">
+                <a16:creationId xmlns:a16="http://schemas.microsoft.com/office/drawing/2014/main" id="{BAF69554-B941-46D5-9EE3-265B084EE4F2}"/>
+              </a:ext>
+            </a:extLst>
+          </p:cNvPr>
+          <p:cNvSpPr/>
+          <p:nvPr/>
+        </p:nvSpPr>
+        <p:spPr>
+          <a:xfrm>
+            <a:off x="4861196" y="5949845"/>
+            <a:ext cx="360000" cy="360000"/>
+          </a:xfrm>
+          <a:prstGeom prst="rect">
+            <a:avLst/>
+          </a:prstGeom>
+          <a:solidFill>
+            <a:schemeClr val="bg1">
+              <a:lumMod val="50000"/>
+            </a:schemeClr>
+          </a:solidFill>
+          <a:ln>
+            <a:noFill/>
+          </a:ln>
+        </p:spPr>
+        <p:style>
+          <a:lnRef idx="2">
+            <a:schemeClr val="accent1">
+              <a:shade val="50000"/>
+            </a:schemeClr>
+          </a:lnRef>
+          <a:fillRef idx="1">
+            <a:schemeClr val="accent1"/>
+          </a:fillRef>
+          <a:effectRef idx="0">
+            <a:schemeClr val="accent1"/>
+          </a:effectRef>
+          <a:fontRef idx="minor">
+            <a:schemeClr val="lt1"/>
+          </a:fontRef>
+        </p:style>
+        <p:txBody>
+          <a:bodyPr rtlCol="0" anchor="ctr"/>
+          <a:lstStyle/>
+          <a:p>
+            <a:pPr algn="ctr"/>
+            <a:endParaRPr lang="es-ES" sz="1400" dirty="0"/>
+          </a:p>
+        </p:txBody>
+      </p:sp>
+      <p:sp>
+        <p:nvSpPr>
+          <p:cNvPr id="129" name="Rectángulo 128">
+            <a:extLst>
+              <a:ext uri="{FF2B5EF4-FFF2-40B4-BE49-F238E27FC236}">
+                <a16:creationId xmlns:a16="http://schemas.microsoft.com/office/drawing/2014/main" id="{E3E42D08-7A96-4DA7-9441-1676223E5D6F}"/>
+              </a:ext>
+            </a:extLst>
+          </p:cNvPr>
+          <p:cNvSpPr/>
+          <p:nvPr/>
+        </p:nvSpPr>
+        <p:spPr>
+          <a:xfrm>
+            <a:off x="4851865" y="3890864"/>
+            <a:ext cx="360000" cy="360000"/>
+          </a:xfrm>
+          <a:prstGeom prst="rect">
+            <a:avLst/>
+          </a:prstGeom>
+          <a:solidFill>
+            <a:schemeClr val="bg1">
+              <a:lumMod val="50000"/>
+            </a:schemeClr>
+          </a:solidFill>
+          <a:ln>
+            <a:noFill/>
+          </a:ln>
+        </p:spPr>
+        <p:style>
+          <a:lnRef idx="2">
+            <a:schemeClr val="accent1">
+              <a:shade val="50000"/>
+            </a:schemeClr>
+          </a:lnRef>
+          <a:fillRef idx="1">
+            <a:schemeClr val="accent1"/>
+          </a:fillRef>
+          <a:effectRef idx="0">
+            <a:schemeClr val="accent1"/>
+          </a:effectRef>
+          <a:fontRef idx="minor">
+            <a:schemeClr val="lt1"/>
+          </a:fontRef>
+        </p:style>
+        <p:txBody>
+          <a:bodyPr rtlCol="0" anchor="ctr"/>
+          <a:lstStyle/>
+          <a:p>
+            <a:pPr algn="ctr"/>
+            <a:endParaRPr lang="es-ES" sz="1400" dirty="0"/>
+          </a:p>
+        </p:txBody>
+      </p:sp>
+      <p:cxnSp>
+        <p:nvCxnSpPr>
+          <p:cNvPr id="138" name="Conector recto de flecha 137">
+            <a:extLst>
+              <a:ext uri="{FF2B5EF4-FFF2-40B4-BE49-F238E27FC236}">
+                <a16:creationId xmlns:a16="http://schemas.microsoft.com/office/drawing/2014/main" id="{70F7BAB5-DF9F-48B6-BE77-CB34B5DB9777}"/>
+              </a:ext>
+            </a:extLst>
+          </p:cNvPr>
+          <p:cNvCxnSpPr>
+            <a:cxnSpLocks/>
+            <a:stCxn id="66" idx="2"/>
+            <a:endCxn id="6" idx="0"/>
+          </p:cNvCxnSpPr>
+          <p:nvPr/>
+        </p:nvCxnSpPr>
+        <p:spPr>
+          <a:xfrm>
+            <a:off x="1109546" y="2199052"/>
+            <a:ext cx="0" cy="1514390"/>
+          </a:xfrm>
+          <a:prstGeom prst="straightConnector1">
+            <a:avLst/>
+          </a:prstGeom>
+          <a:ln>
+            <a:tailEnd type="triangle"/>
+          </a:ln>
+        </p:spPr>
+        <p:style>
+          <a:lnRef idx="1">
+            <a:schemeClr val="accent1"/>
+          </a:lnRef>
+          <a:fillRef idx="0">
+            <a:schemeClr val="accent1"/>
+          </a:fillRef>
+          <a:effectRef idx="0">
+            <a:schemeClr val="accent1"/>
+          </a:effectRef>
+          <a:fontRef idx="minor">
+            <a:schemeClr val="tx1"/>
+          </a:fontRef>
+        </p:style>
+      </p:cxnSp>
+      <p:sp>
+        <p:nvSpPr>
+          <p:cNvPr id="154" name="Rectángulo 153">
+            <a:extLst>
+              <a:ext uri="{FF2B5EF4-FFF2-40B4-BE49-F238E27FC236}">
+                <a16:creationId xmlns:a16="http://schemas.microsoft.com/office/drawing/2014/main" id="{5D739D5C-1AD8-4161-A2DF-CC284CF5B407}"/>
+              </a:ext>
+            </a:extLst>
+          </p:cNvPr>
+          <p:cNvSpPr/>
+          <p:nvPr/>
+        </p:nvSpPr>
+        <p:spPr>
+          <a:xfrm>
+            <a:off x="7283176" y="5949845"/>
+            <a:ext cx="360000" cy="360000"/>
+          </a:xfrm>
+          <a:prstGeom prst="rect">
+            <a:avLst/>
+          </a:prstGeom>
+          <a:solidFill>
+            <a:schemeClr val="bg1">
+              <a:lumMod val="50000"/>
+            </a:schemeClr>
+          </a:solidFill>
+          <a:ln>
+            <a:noFill/>
+          </a:ln>
+        </p:spPr>
+        <p:style>
+          <a:lnRef idx="2">
+            <a:schemeClr val="accent1">
+              <a:shade val="50000"/>
+            </a:schemeClr>
+          </a:lnRef>
+          <a:fillRef idx="1">
+            <a:schemeClr val="accent1"/>
+          </a:fillRef>
+          <a:effectRef idx="0">
+            <a:schemeClr val="accent1"/>
+          </a:effectRef>
+          <a:fontRef idx="minor">
+            <a:schemeClr val="lt1"/>
+          </a:fontRef>
+        </p:style>
+        <p:txBody>
+          <a:bodyPr rtlCol="0" anchor="ctr"/>
+          <a:lstStyle/>
+          <a:p>
+            <a:pPr algn="ctr"/>
+            <a:endParaRPr lang="es-ES" dirty="0"/>
+          </a:p>
+        </p:txBody>
+      </p:sp>
+      <p:sp>
+        <p:nvSpPr>
+          <p:cNvPr id="155" name="Rectángulo 154">
+            <a:extLst>
+              <a:ext uri="{FF2B5EF4-FFF2-40B4-BE49-F238E27FC236}">
+                <a16:creationId xmlns:a16="http://schemas.microsoft.com/office/drawing/2014/main" id="{E5D779EA-C607-4471-BF02-9E9CFB0BD6DA}"/>
+              </a:ext>
+            </a:extLst>
+          </p:cNvPr>
+          <p:cNvSpPr/>
+          <p:nvPr/>
+        </p:nvSpPr>
+        <p:spPr>
+          <a:xfrm>
+            <a:off x="6497994" y="2848489"/>
+            <a:ext cx="360000" cy="360000"/>
+          </a:xfrm>
+          <a:prstGeom prst="rect">
+            <a:avLst/>
+          </a:prstGeom>
+          <a:solidFill>
+            <a:schemeClr val="bg1">
+              <a:lumMod val="50000"/>
+            </a:schemeClr>
+          </a:solidFill>
+          <a:ln>
+            <a:noFill/>
+          </a:ln>
+        </p:spPr>
+        <p:style>
+          <a:lnRef idx="2">
+            <a:schemeClr val="accent1">
+              <a:shade val="50000"/>
+            </a:schemeClr>
+          </a:lnRef>
+          <a:fillRef idx="1">
+            <a:schemeClr val="accent1"/>
+          </a:fillRef>
+          <a:effectRef idx="0">
+            <a:schemeClr val="accent1"/>
+          </a:effectRef>
+          <a:fontRef idx="minor">
+            <a:schemeClr val="lt1"/>
+          </a:fontRef>
+        </p:style>
+        <p:txBody>
+          <a:bodyPr rtlCol="0" anchor="ctr"/>
+          <a:lstStyle/>
+          <a:p>
+            <a:pPr algn="ctr"/>
+            <a:endParaRPr lang="es-ES" dirty="0"/>
+          </a:p>
+        </p:txBody>
+      </p:sp>
+      <p:sp>
+        <p:nvSpPr>
+          <p:cNvPr id="158" name="Rectángulo 157">
+            <a:extLst>
+              <a:ext uri="{FF2B5EF4-FFF2-40B4-BE49-F238E27FC236}">
+                <a16:creationId xmlns:a16="http://schemas.microsoft.com/office/drawing/2014/main" id="{191B7B87-EE00-4DB0-8DE4-37CFB8B8E096}"/>
+              </a:ext>
+            </a:extLst>
+          </p:cNvPr>
+          <p:cNvSpPr/>
+          <p:nvPr/>
+        </p:nvSpPr>
+        <p:spPr>
+          <a:xfrm>
+            <a:off x="7298147" y="2870222"/>
+            <a:ext cx="360000" cy="360000"/>
+          </a:xfrm>
+          <a:prstGeom prst="rect">
+            <a:avLst/>
+          </a:prstGeom>
+          <a:solidFill>
+            <a:schemeClr val="bg1">
+              <a:lumMod val="50000"/>
+            </a:schemeClr>
+          </a:solidFill>
+          <a:ln>
+            <a:noFill/>
+          </a:ln>
+        </p:spPr>
+        <p:style>
+          <a:lnRef idx="2">
+            <a:schemeClr val="accent1">
+              <a:shade val="50000"/>
+            </a:schemeClr>
+          </a:lnRef>
+          <a:fillRef idx="1">
+            <a:schemeClr val="accent1"/>
+          </a:fillRef>
+          <a:effectRef idx="0">
+            <a:schemeClr val="accent1"/>
+          </a:effectRef>
+          <a:fontRef idx="minor">
+            <a:schemeClr val="lt1"/>
+          </a:fontRef>
+        </p:style>
+        <p:txBody>
+          <a:bodyPr rtlCol="0" anchor="ctr"/>
+          <a:lstStyle/>
+          <a:p>
+            <a:pPr algn="ctr"/>
+            <a:endParaRPr lang="es-ES" dirty="0"/>
+          </a:p>
+        </p:txBody>
+      </p:sp>
+      <p:cxnSp>
+        <p:nvCxnSpPr>
+          <p:cNvPr id="159" name="Conector recto de flecha 158">
+            <a:extLst>
+              <a:ext uri="{FF2B5EF4-FFF2-40B4-BE49-F238E27FC236}">
+                <a16:creationId xmlns:a16="http://schemas.microsoft.com/office/drawing/2014/main" id="{9C1DD6A2-BFE9-43A5-B835-8B1E6A637249}"/>
+              </a:ext>
+            </a:extLst>
+          </p:cNvPr>
+          <p:cNvCxnSpPr>
+            <a:cxnSpLocks/>
+            <a:stCxn id="158" idx="2"/>
+            <a:endCxn id="154" idx="0"/>
+          </p:cNvCxnSpPr>
+          <p:nvPr/>
+        </p:nvCxnSpPr>
+        <p:spPr>
+          <a:xfrm flipH="1">
+            <a:off x="7463176" y="3230222"/>
+            <a:ext cx="14971" cy="2719623"/>
+          </a:xfrm>
+          <a:prstGeom prst="straightConnector1">
+            <a:avLst/>
+          </a:prstGeom>
+          <a:ln>
+            <a:tailEnd type="triangle"/>
+          </a:ln>
+        </p:spPr>
+        <p:style>
+          <a:lnRef idx="1">
+            <a:schemeClr val="accent1"/>
+          </a:lnRef>
+          <a:fillRef idx="0">
+            <a:schemeClr val="accent1"/>
+          </a:fillRef>
+          <a:effectRef idx="0">
+            <a:schemeClr val="accent1"/>
+          </a:effectRef>
+          <a:fontRef idx="minor">
+            <a:schemeClr val="tx1"/>
+          </a:fontRef>
+        </p:style>
+      </p:cxnSp>
+      <p:sp>
+        <p:nvSpPr>
+          <p:cNvPr id="167" name="Rectángulo 166">
+            <a:extLst>
+              <a:ext uri="{FF2B5EF4-FFF2-40B4-BE49-F238E27FC236}">
+                <a16:creationId xmlns:a16="http://schemas.microsoft.com/office/drawing/2014/main" id="{6115461A-1D57-476C-980C-5DD3DA97D1F1}"/>
+              </a:ext>
+            </a:extLst>
+          </p:cNvPr>
+          <p:cNvSpPr/>
+          <p:nvPr/>
+        </p:nvSpPr>
+        <p:spPr>
+          <a:xfrm>
+            <a:off x="6067970" y="5949845"/>
+            <a:ext cx="360000" cy="360000"/>
+          </a:xfrm>
+          <a:prstGeom prst="rect">
+            <a:avLst/>
+          </a:prstGeom>
+          <a:solidFill>
+            <a:schemeClr val="bg1">
+              <a:lumMod val="50000"/>
+            </a:schemeClr>
+          </a:solidFill>
+          <a:ln>
+            <a:noFill/>
+          </a:ln>
+        </p:spPr>
+        <p:style>
+          <a:lnRef idx="2">
+            <a:schemeClr val="accent1">
+              <a:shade val="50000"/>
+            </a:schemeClr>
+          </a:lnRef>
+          <a:fillRef idx="1">
+            <a:schemeClr val="accent1"/>
+          </a:fillRef>
+          <a:effectRef idx="0">
+            <a:schemeClr val="accent1"/>
+          </a:effectRef>
+          <a:fontRef idx="minor">
+            <a:schemeClr val="lt1"/>
+          </a:fontRef>
+        </p:style>
+        <p:txBody>
+          <a:bodyPr rtlCol="0" anchor="ctr"/>
+          <a:lstStyle/>
+          <a:p>
+            <a:pPr algn="ctr"/>
+            <a:endParaRPr lang="es-ES" dirty="0"/>
+          </a:p>
+        </p:txBody>
+      </p:sp>
+      <p:sp>
+        <p:nvSpPr>
+          <p:cNvPr id="168" name="Rectángulo 167">
+            <a:extLst>
+              <a:ext uri="{FF2B5EF4-FFF2-40B4-BE49-F238E27FC236}">
+                <a16:creationId xmlns:a16="http://schemas.microsoft.com/office/drawing/2014/main" id="{490E3F00-2921-43F4-9F6B-8465FA2B0350}"/>
+              </a:ext>
+            </a:extLst>
+          </p:cNvPr>
+          <p:cNvSpPr/>
+          <p:nvPr/>
+        </p:nvSpPr>
+        <p:spPr>
+          <a:xfrm>
+            <a:off x="6042670" y="3881529"/>
+            <a:ext cx="360000" cy="360000"/>
+          </a:xfrm>
+          <a:prstGeom prst="rect">
+            <a:avLst/>
+          </a:prstGeom>
+          <a:solidFill>
+            <a:schemeClr val="bg1">
+              <a:lumMod val="50000"/>
+            </a:schemeClr>
+          </a:solidFill>
+          <a:ln>
+            <a:noFill/>
+          </a:ln>
+        </p:spPr>
+        <p:style>
+          <a:lnRef idx="2">
+            <a:schemeClr val="accent1">
+              <a:shade val="50000"/>
+            </a:schemeClr>
+          </a:lnRef>
+          <a:fillRef idx="1">
+            <a:schemeClr val="accent1"/>
+          </a:fillRef>
+          <a:effectRef idx="0">
+            <a:schemeClr val="accent1"/>
+          </a:effectRef>
+          <a:fontRef idx="minor">
+            <a:schemeClr val="lt1"/>
+          </a:fontRef>
+        </p:style>
+        <p:txBody>
+          <a:bodyPr rtlCol="0" anchor="ctr"/>
+          <a:lstStyle/>
+          <a:p>
+            <a:pPr algn="ctr"/>
+            <a:endParaRPr lang="es-ES" dirty="0"/>
+          </a:p>
+        </p:txBody>
+      </p:sp>
+      <p:cxnSp>
+        <p:nvCxnSpPr>
+          <p:cNvPr id="169" name="Conector recto de flecha 168">
+            <a:extLst>
+              <a:ext uri="{FF2B5EF4-FFF2-40B4-BE49-F238E27FC236}">
+                <a16:creationId xmlns:a16="http://schemas.microsoft.com/office/drawing/2014/main" id="{2F860731-0882-4A13-AEB5-5131A97279AB}"/>
+              </a:ext>
+            </a:extLst>
+          </p:cNvPr>
+          <p:cNvCxnSpPr>
+            <a:cxnSpLocks/>
+            <a:stCxn id="168" idx="2"/>
+            <a:endCxn id="167" idx="0"/>
+          </p:cNvCxnSpPr>
+          <p:nvPr/>
+        </p:nvCxnSpPr>
+        <p:spPr>
+          <a:xfrm>
+            <a:off x="6222670" y="4241529"/>
+            <a:ext cx="25300" cy="1708316"/>
+          </a:xfrm>
+          <a:prstGeom prst="straightConnector1">
+            <a:avLst/>
+          </a:prstGeom>
+          <a:ln>
+            <a:tailEnd type="triangle"/>
+          </a:ln>
+        </p:spPr>
+        <p:style>
+          <a:lnRef idx="1">
+            <a:schemeClr val="accent1"/>
+          </a:lnRef>
+          <a:fillRef idx="0">
+            <a:schemeClr val="accent1"/>
+          </a:fillRef>
+          <a:effectRef idx="0">
+            <a:schemeClr val="accent1"/>
+          </a:effectRef>
+          <a:fontRef idx="minor">
+            <a:schemeClr val="tx1"/>
+          </a:fontRef>
+        </p:style>
+      </p:cxnSp>
+      <p:sp>
+        <p:nvSpPr>
+          <p:cNvPr id="177" name="Rectángulo 176">
+            <a:extLst>
+              <a:ext uri="{FF2B5EF4-FFF2-40B4-BE49-F238E27FC236}">
+                <a16:creationId xmlns:a16="http://schemas.microsoft.com/office/drawing/2014/main" id="{3ACA3871-8334-42C7-945C-2442AAB35F1C}"/>
+              </a:ext>
+            </a:extLst>
+          </p:cNvPr>
+          <p:cNvSpPr/>
+          <p:nvPr/>
+        </p:nvSpPr>
+        <p:spPr>
+          <a:xfrm>
+            <a:off x="962019" y="5958313"/>
+            <a:ext cx="360000" cy="360000"/>
+          </a:xfrm>
+          <a:prstGeom prst="rect">
+            <a:avLst/>
+          </a:prstGeom>
+          <a:solidFill>
+            <a:schemeClr val="bg1">
+              <a:lumMod val="50000"/>
+            </a:schemeClr>
+          </a:solidFill>
+          <a:ln>
+            <a:noFill/>
+          </a:ln>
+        </p:spPr>
+        <p:style>
+          <a:lnRef idx="2">
+            <a:schemeClr val="accent1">
+              <a:shade val="50000"/>
+            </a:schemeClr>
+          </a:lnRef>
+          <a:fillRef idx="1">
+            <a:schemeClr val="accent1"/>
+          </a:fillRef>
+          <a:effectRef idx="0">
+            <a:schemeClr val="accent1"/>
+          </a:effectRef>
+          <a:fontRef idx="minor">
+            <a:schemeClr val="lt1"/>
+          </a:fontRef>
+        </p:style>
+        <p:txBody>
+          <a:bodyPr rtlCol="0" anchor="ctr"/>
+          <a:lstStyle/>
+          <a:p>
+            <a:pPr algn="ctr"/>
+            <a:endParaRPr lang="es-ES" sz="1400" dirty="0"/>
+          </a:p>
+        </p:txBody>
+      </p:sp>
+      <p:sp>
+        <p:nvSpPr>
+          <p:cNvPr id="189" name="Elipse 188">
+            <a:extLst>
+              <a:ext uri="{FF2B5EF4-FFF2-40B4-BE49-F238E27FC236}">
+                <a16:creationId xmlns:a16="http://schemas.microsoft.com/office/drawing/2014/main" id="{45727676-73E3-4BED-AA7C-2EE4D3705519}"/>
+              </a:ext>
+            </a:extLst>
+          </p:cNvPr>
+          <p:cNvSpPr/>
+          <p:nvPr/>
+        </p:nvSpPr>
+        <p:spPr>
+          <a:xfrm>
+            <a:off x="3974161" y="307500"/>
+            <a:ext cx="1458095" cy="442881"/>
+          </a:xfrm>
+          <a:prstGeom prst="ellipse">
+            <a:avLst/>
+          </a:prstGeom>
+          <a:solidFill>
+            <a:srgbClr val="00B050"/>
+          </a:solidFill>
+          <a:ln>
+            <a:noFill/>
+          </a:ln>
+        </p:spPr>
+        <p:style>
+          <a:lnRef idx="2">
+            <a:schemeClr val="accent1">
+              <a:shade val="50000"/>
+            </a:schemeClr>
+          </a:lnRef>
+          <a:fillRef idx="1">
+            <a:schemeClr val="accent1"/>
+          </a:fillRef>
+          <a:effectRef idx="0">
+            <a:schemeClr val="accent1"/>
+          </a:effectRef>
+          <a:fontRef idx="minor">
+            <a:schemeClr val="lt1"/>
+          </a:fontRef>
+        </p:style>
+        <p:txBody>
+          <a:bodyPr rtlCol="0" anchor="ctr"/>
+          <a:lstStyle/>
+          <a:p>
+            <a:pPr algn="ctr"/>
+            <a:r>
+              <a:rPr lang="es-ES" dirty="0" err="1"/>
+              <a:t>Services</a:t>
+            </a:r>
+            <a:endParaRPr lang="es-ES" dirty="0"/>
+          </a:p>
+        </p:txBody>
+      </p:sp>
+      <p:sp>
+        <p:nvSpPr>
+          <p:cNvPr id="244" name="Rectángulo 243">
+            <a:extLst>
+              <a:ext uri="{FF2B5EF4-FFF2-40B4-BE49-F238E27FC236}">
+                <a16:creationId xmlns:a16="http://schemas.microsoft.com/office/drawing/2014/main" id="{E0D8DD48-A440-4C43-8CA0-6BBD415C5175}"/>
+              </a:ext>
+            </a:extLst>
+          </p:cNvPr>
+          <p:cNvSpPr/>
+          <p:nvPr/>
+        </p:nvSpPr>
+        <p:spPr>
+          <a:xfrm>
+            <a:off x="8840215" y="2705233"/>
+            <a:ext cx="360000" cy="360000"/>
+          </a:xfrm>
+          <a:prstGeom prst="rect">
+            <a:avLst/>
+          </a:prstGeom>
+          <a:solidFill>
+            <a:schemeClr val="bg1">
+              <a:lumMod val="50000"/>
+            </a:schemeClr>
+          </a:solidFill>
+          <a:ln>
+            <a:noFill/>
+          </a:ln>
+        </p:spPr>
+        <p:style>
+          <a:lnRef idx="2">
+            <a:schemeClr val="accent1">
+              <a:shade val="50000"/>
+            </a:schemeClr>
+          </a:lnRef>
+          <a:fillRef idx="1">
+            <a:schemeClr val="accent1"/>
+          </a:fillRef>
+          <a:effectRef idx="0">
+            <a:schemeClr val="accent1"/>
+          </a:effectRef>
+          <a:fontRef idx="minor">
+            <a:schemeClr val="lt1"/>
+          </a:fontRef>
+        </p:style>
+        <p:txBody>
+          <a:bodyPr rtlCol="0" anchor="ctr"/>
+          <a:lstStyle/>
+          <a:p>
+            <a:pPr algn="ctr"/>
+            <a:endParaRPr lang="es-ES" sz="1400" dirty="0"/>
+          </a:p>
+        </p:txBody>
+      </p:sp>
+      <p:sp>
+        <p:nvSpPr>
+          <p:cNvPr id="249" name="Rectángulo 248">
+            <a:extLst>
+              <a:ext uri="{FF2B5EF4-FFF2-40B4-BE49-F238E27FC236}">
+                <a16:creationId xmlns:a16="http://schemas.microsoft.com/office/drawing/2014/main" id="{D0DD2908-787B-48A5-906B-F646AEBDA43C}"/>
+              </a:ext>
+            </a:extLst>
+          </p:cNvPr>
+          <p:cNvSpPr/>
+          <p:nvPr/>
+        </p:nvSpPr>
+        <p:spPr>
+          <a:xfrm>
+            <a:off x="3086286" y="3900191"/>
+            <a:ext cx="360000" cy="360000"/>
+          </a:xfrm>
+          <a:prstGeom prst="rect">
+            <a:avLst/>
+          </a:prstGeom>
+          <a:solidFill>
+            <a:schemeClr val="bg1">
+              <a:lumMod val="50000"/>
+            </a:schemeClr>
+          </a:solidFill>
+          <a:ln>
+            <a:noFill/>
+          </a:ln>
+        </p:spPr>
+        <p:style>
+          <a:lnRef idx="2">
+            <a:schemeClr val="accent1">
+              <a:shade val="50000"/>
+            </a:schemeClr>
+          </a:lnRef>
+          <a:fillRef idx="1">
+            <a:schemeClr val="accent1"/>
+          </a:fillRef>
+          <a:effectRef idx="0">
+            <a:schemeClr val="accent1"/>
+          </a:effectRef>
+          <a:fontRef idx="minor">
+            <a:schemeClr val="lt1"/>
+          </a:fontRef>
+        </p:style>
+        <p:txBody>
+          <a:bodyPr rtlCol="0" anchor="ctr"/>
+          <a:lstStyle/>
+          <a:p>
+            <a:pPr algn="ctr"/>
+            <a:endParaRPr lang="es-ES" sz="1400" dirty="0"/>
+          </a:p>
+        </p:txBody>
+      </p:sp>
+      <p:sp>
+        <p:nvSpPr>
+          <p:cNvPr id="261" name="Rectángulo 260">
+            <a:extLst>
+              <a:ext uri="{FF2B5EF4-FFF2-40B4-BE49-F238E27FC236}">
+                <a16:creationId xmlns:a16="http://schemas.microsoft.com/office/drawing/2014/main" id="{C3374821-D07F-4577-A3A1-EF144C471FFB}"/>
+              </a:ext>
+            </a:extLst>
+          </p:cNvPr>
+          <p:cNvSpPr/>
+          <p:nvPr/>
+        </p:nvSpPr>
+        <p:spPr>
+          <a:xfrm>
+            <a:off x="10127022" y="1822259"/>
+            <a:ext cx="360000" cy="360000"/>
+          </a:xfrm>
+          <a:prstGeom prst="rect">
+            <a:avLst/>
+          </a:prstGeom>
+          <a:solidFill>
+            <a:schemeClr val="bg1">
+              <a:lumMod val="50000"/>
+            </a:schemeClr>
+          </a:solidFill>
+          <a:ln>
+            <a:noFill/>
+          </a:ln>
+        </p:spPr>
+        <p:style>
+          <a:lnRef idx="2">
+            <a:schemeClr val="accent1">
+              <a:shade val="50000"/>
+            </a:schemeClr>
+          </a:lnRef>
+          <a:fillRef idx="1">
+            <a:schemeClr val="accent1"/>
+          </a:fillRef>
+          <a:effectRef idx="0">
+            <a:schemeClr val="accent1"/>
+          </a:effectRef>
+          <a:fontRef idx="minor">
+            <a:schemeClr val="lt1"/>
+          </a:fontRef>
+        </p:style>
+        <p:txBody>
+          <a:bodyPr rtlCol="0" anchor="ctr"/>
+          <a:lstStyle/>
+          <a:p>
+            <a:pPr algn="ctr"/>
+            <a:endParaRPr lang="es-ES" sz="1400" dirty="0"/>
+          </a:p>
+        </p:txBody>
+      </p:sp>
+      <p:sp>
+        <p:nvSpPr>
+          <p:cNvPr id="263" name="Rectángulo 262">
+            <a:extLst>
+              <a:ext uri="{FF2B5EF4-FFF2-40B4-BE49-F238E27FC236}">
+                <a16:creationId xmlns:a16="http://schemas.microsoft.com/office/drawing/2014/main" id="{3B5A5D4A-0C27-47F2-B5C9-DDC4F9A13258}"/>
+              </a:ext>
+            </a:extLst>
+          </p:cNvPr>
+          <p:cNvSpPr/>
+          <p:nvPr/>
+        </p:nvSpPr>
+        <p:spPr>
+          <a:xfrm>
+            <a:off x="10185832" y="5949845"/>
+            <a:ext cx="360000" cy="360000"/>
+          </a:xfrm>
+          <a:prstGeom prst="rect">
+            <a:avLst/>
+          </a:prstGeom>
+          <a:solidFill>
+            <a:schemeClr val="bg1">
+              <a:lumMod val="50000"/>
+            </a:schemeClr>
+          </a:solidFill>
+          <a:ln>
+            <a:noFill/>
+          </a:ln>
+        </p:spPr>
+        <p:style>
+          <a:lnRef idx="2">
+            <a:schemeClr val="accent1">
+              <a:shade val="50000"/>
+            </a:schemeClr>
+          </a:lnRef>
+          <a:fillRef idx="1">
+            <a:schemeClr val="accent1"/>
+          </a:fillRef>
+          <a:effectRef idx="0">
+            <a:schemeClr val="accent1"/>
+          </a:effectRef>
+          <a:fontRef idx="minor">
+            <a:schemeClr val="lt1"/>
+          </a:fontRef>
+        </p:style>
+        <p:txBody>
+          <a:bodyPr rtlCol="0" anchor="ctr"/>
+          <a:lstStyle/>
+          <a:p>
+            <a:pPr algn="ctr"/>
+            <a:endParaRPr lang="es-ES" sz="1400" dirty="0"/>
+          </a:p>
+        </p:txBody>
+      </p:sp>
+      <p:cxnSp>
+        <p:nvCxnSpPr>
+          <p:cNvPr id="264" name="Conector recto de flecha 263">
+            <a:extLst>
+              <a:ext uri="{FF2B5EF4-FFF2-40B4-BE49-F238E27FC236}">
+                <a16:creationId xmlns:a16="http://schemas.microsoft.com/office/drawing/2014/main" id="{C7D1C88C-D1FF-4167-A904-12637DA77AFD}"/>
+              </a:ext>
+            </a:extLst>
+          </p:cNvPr>
+          <p:cNvCxnSpPr>
+            <a:cxnSpLocks/>
+            <a:stCxn id="261" idx="2"/>
+            <a:endCxn id="263" idx="0"/>
+          </p:cNvCxnSpPr>
+          <p:nvPr/>
+        </p:nvCxnSpPr>
+        <p:spPr>
+          <a:xfrm>
+            <a:off x="10307022" y="2182259"/>
+            <a:ext cx="58810" cy="3767586"/>
+          </a:xfrm>
+          <a:prstGeom prst="straightConnector1">
+            <a:avLst/>
+          </a:prstGeom>
+          <a:ln>
+            <a:tailEnd type="triangle"/>
+          </a:ln>
+        </p:spPr>
+        <p:style>
+          <a:lnRef idx="1">
+            <a:schemeClr val="accent1"/>
+          </a:lnRef>
+          <a:fillRef idx="0">
+            <a:schemeClr val="accent1"/>
+          </a:fillRef>
+          <a:effectRef idx="0">
+            <a:schemeClr val="accent1"/>
+          </a:effectRef>
+          <a:fontRef idx="minor">
+            <a:schemeClr val="tx1"/>
+          </a:fontRef>
+        </p:style>
+      </p:cxnSp>
+      <p:sp>
+        <p:nvSpPr>
+          <p:cNvPr id="269" name="Elipse 268">
+            <a:extLst>
+              <a:ext uri="{FF2B5EF4-FFF2-40B4-BE49-F238E27FC236}">
+                <a16:creationId xmlns:a16="http://schemas.microsoft.com/office/drawing/2014/main" id="{4D06B83A-1924-45C8-96B7-A3B087B3C939}"/>
+              </a:ext>
+            </a:extLst>
+          </p:cNvPr>
+          <p:cNvSpPr/>
+          <p:nvPr/>
+        </p:nvSpPr>
+        <p:spPr>
+          <a:xfrm>
+            <a:off x="7285490" y="291402"/>
+            <a:ext cx="2373700" cy="442881"/>
+          </a:xfrm>
+          <a:prstGeom prst="ellipse">
+            <a:avLst/>
+          </a:prstGeom>
+          <a:solidFill>
+            <a:srgbClr val="00B050"/>
+          </a:solidFill>
+          <a:ln>
+            <a:noFill/>
+          </a:ln>
+        </p:spPr>
+        <p:style>
+          <a:lnRef idx="2">
+            <a:schemeClr val="accent1">
+              <a:shade val="50000"/>
+            </a:schemeClr>
+          </a:lnRef>
+          <a:fillRef idx="1">
+            <a:schemeClr val="accent1"/>
+          </a:fillRef>
+          <a:effectRef idx="0">
+            <a:schemeClr val="accent1"/>
+          </a:effectRef>
+          <a:fontRef idx="minor">
+            <a:schemeClr val="lt1"/>
+          </a:fontRef>
+        </p:style>
+        <p:txBody>
+          <a:bodyPr rtlCol="0" anchor="ctr"/>
+          <a:lstStyle/>
+          <a:p>
+            <a:pPr algn="ctr"/>
+            <a:r>
+              <a:rPr lang="es-ES" dirty="0" err="1"/>
+              <a:t>WebServers</a:t>
+            </a:r>
+            <a:endParaRPr lang="es-ES" dirty="0"/>
+          </a:p>
+        </p:txBody>
+      </p:sp>
+      <p:cxnSp>
+        <p:nvCxnSpPr>
+          <p:cNvPr id="281" name="Conector recto de flecha 280">
+            <a:extLst>
+              <a:ext uri="{FF2B5EF4-FFF2-40B4-BE49-F238E27FC236}">
+                <a16:creationId xmlns:a16="http://schemas.microsoft.com/office/drawing/2014/main" id="{9A2AD6D1-27DB-460A-874E-E39CD2EF13F7}"/>
+              </a:ext>
+            </a:extLst>
+          </p:cNvPr>
+          <p:cNvCxnSpPr>
+            <a:cxnSpLocks/>
+            <a:stCxn id="312" idx="2"/>
+            <a:endCxn id="66" idx="0"/>
+          </p:cNvCxnSpPr>
+          <p:nvPr/>
+        </p:nvCxnSpPr>
+        <p:spPr>
+          <a:xfrm flipH="1">
+            <a:off x="1109546" y="937193"/>
+            <a:ext cx="16236" cy="721859"/>
+          </a:xfrm>
+          <a:prstGeom prst="straightConnector1">
+            <a:avLst/>
+          </a:prstGeom>
+          <a:ln>
+            <a:tailEnd type="triangle"/>
+          </a:ln>
+        </p:spPr>
+        <p:style>
+          <a:lnRef idx="1">
+            <a:schemeClr val="accent1"/>
+          </a:lnRef>
+          <a:fillRef idx="0">
+            <a:schemeClr val="accent1"/>
+          </a:fillRef>
+          <a:effectRef idx="0">
+            <a:schemeClr val="accent1"/>
+          </a:effectRef>
+          <a:fontRef idx="minor">
+            <a:schemeClr val="tx1"/>
+          </a:fontRef>
+        </p:style>
+      </p:cxnSp>
+      <p:sp>
+        <p:nvSpPr>
+          <p:cNvPr id="286" name="Rectángulo 285">
+            <a:extLst>
+              <a:ext uri="{FF2B5EF4-FFF2-40B4-BE49-F238E27FC236}">
+                <a16:creationId xmlns:a16="http://schemas.microsoft.com/office/drawing/2014/main" id="{2C9BC41B-7914-44D2-9100-AEE339E50E3C}"/>
+              </a:ext>
+            </a:extLst>
+          </p:cNvPr>
+          <p:cNvSpPr/>
+          <p:nvPr/>
+        </p:nvSpPr>
+        <p:spPr>
+          <a:xfrm>
+            <a:off x="3892132" y="1657431"/>
+            <a:ext cx="1620000" cy="540000"/>
+          </a:xfrm>
+          <a:prstGeom prst="rect">
+            <a:avLst/>
+          </a:prstGeom>
+          <a:solidFill>
+            <a:srgbClr val="7030A0"/>
+          </a:solidFill>
+        </p:spPr>
+        <p:style>
+          <a:lnRef idx="2">
+            <a:schemeClr val="accent1">
+              <a:shade val="50000"/>
+            </a:schemeClr>
+          </a:lnRef>
+          <a:fillRef idx="1">
+            <a:schemeClr val="accent1"/>
+          </a:fillRef>
+          <a:effectRef idx="0">
+            <a:schemeClr val="accent1"/>
+          </a:effectRef>
+          <a:fontRef idx="minor">
+            <a:schemeClr val="lt1"/>
+          </a:fontRef>
+        </p:style>
+        <p:txBody>
+          <a:bodyPr rtlCol="0" anchor="ctr"/>
+          <a:lstStyle/>
+          <a:p>
+            <a:pPr algn="ctr"/>
+            <a:r>
+              <a:rPr lang="es-ES" sz="1400" dirty="0" err="1"/>
+              <a:t>YATARest</a:t>
+            </a:r>
+            <a:endParaRPr lang="es-ES" sz="1400" dirty="0"/>
+          </a:p>
+        </p:txBody>
+      </p:sp>
+      <p:sp>
+        <p:nvSpPr>
+          <p:cNvPr id="288" name="Rectángulo 287">
+            <a:extLst>
+              <a:ext uri="{FF2B5EF4-FFF2-40B4-BE49-F238E27FC236}">
+                <a16:creationId xmlns:a16="http://schemas.microsoft.com/office/drawing/2014/main" id="{C042BB4D-453E-4A6D-92C5-101CCE81F9D0}"/>
+              </a:ext>
+            </a:extLst>
+          </p:cNvPr>
+          <p:cNvSpPr/>
+          <p:nvPr/>
+        </p:nvSpPr>
+        <p:spPr>
+          <a:xfrm>
+            <a:off x="4571945" y="3713442"/>
+            <a:ext cx="360000" cy="360000"/>
+          </a:xfrm>
+          <a:prstGeom prst="rect">
+            <a:avLst/>
+          </a:prstGeom>
+          <a:solidFill>
+            <a:schemeClr val="bg1">
+              <a:lumMod val="50000"/>
+            </a:schemeClr>
+          </a:solidFill>
+          <a:ln>
+            <a:noFill/>
+          </a:ln>
+        </p:spPr>
+        <p:style>
+          <a:lnRef idx="2">
+            <a:schemeClr val="accent1">
+              <a:shade val="50000"/>
+            </a:schemeClr>
+          </a:lnRef>
+          <a:fillRef idx="1">
+            <a:schemeClr val="accent1"/>
+          </a:fillRef>
+          <a:effectRef idx="0">
+            <a:schemeClr val="accent1"/>
+          </a:effectRef>
+          <a:fontRef idx="minor">
+            <a:schemeClr val="lt1"/>
+          </a:fontRef>
+        </p:style>
+        <p:txBody>
+          <a:bodyPr rtlCol="0" anchor="ctr"/>
+          <a:lstStyle/>
+          <a:p>
+            <a:pPr algn="ctr"/>
+            <a:endParaRPr lang="es-ES" sz="1400" dirty="0"/>
+          </a:p>
+        </p:txBody>
+      </p:sp>
+      <p:cxnSp>
+        <p:nvCxnSpPr>
+          <p:cNvPr id="290" name="Conector recto de flecha 289">
+            <a:extLst>
+              <a:ext uri="{FF2B5EF4-FFF2-40B4-BE49-F238E27FC236}">
+                <a16:creationId xmlns:a16="http://schemas.microsoft.com/office/drawing/2014/main" id="{C7951EFA-747D-49A6-9FB1-AEBFA689D42A}"/>
+              </a:ext>
+            </a:extLst>
+          </p:cNvPr>
+          <p:cNvCxnSpPr>
+            <a:cxnSpLocks/>
+            <a:stCxn id="286" idx="2"/>
+            <a:endCxn id="288" idx="0"/>
+          </p:cNvCxnSpPr>
+          <p:nvPr/>
+        </p:nvCxnSpPr>
+        <p:spPr>
+          <a:xfrm>
+            <a:off x="4702132" y="2197431"/>
+            <a:ext cx="49813" cy="1516011"/>
+          </a:xfrm>
+          <a:prstGeom prst="straightConnector1">
+            <a:avLst/>
+          </a:prstGeom>
+          <a:ln>
+            <a:tailEnd type="triangle"/>
+          </a:ln>
+        </p:spPr>
+        <p:style>
+          <a:lnRef idx="1">
+            <a:schemeClr val="accent1"/>
+          </a:lnRef>
+          <a:fillRef idx="0">
+            <a:schemeClr val="accent1"/>
+          </a:fillRef>
+          <a:effectRef idx="0">
+            <a:schemeClr val="accent1"/>
+          </a:effectRef>
+          <a:fontRef idx="minor">
+            <a:schemeClr val="tx1"/>
+          </a:fontRef>
+        </p:style>
+      </p:cxnSp>
+      <p:sp>
+        <p:nvSpPr>
+          <p:cNvPr id="312" name="Rectángulo 311">
+            <a:extLst>
+              <a:ext uri="{FF2B5EF4-FFF2-40B4-BE49-F238E27FC236}">
+                <a16:creationId xmlns:a16="http://schemas.microsoft.com/office/drawing/2014/main" id="{896A8ECF-8977-49EC-A9CA-37D161B9658C}"/>
+              </a:ext>
+            </a:extLst>
+          </p:cNvPr>
+          <p:cNvSpPr/>
+          <p:nvPr/>
+        </p:nvSpPr>
+        <p:spPr>
+          <a:xfrm>
+            <a:off x="945782" y="577193"/>
+            <a:ext cx="360000" cy="360000"/>
+          </a:xfrm>
+          <a:prstGeom prst="rect">
+            <a:avLst/>
+          </a:prstGeom>
+          <a:solidFill>
+            <a:schemeClr val="bg1">
+              <a:lumMod val="50000"/>
+            </a:schemeClr>
+          </a:solidFill>
+          <a:ln>
+            <a:noFill/>
+          </a:ln>
+        </p:spPr>
+        <p:style>
+          <a:lnRef idx="2">
+            <a:schemeClr val="accent1">
+              <a:shade val="50000"/>
+            </a:schemeClr>
+          </a:lnRef>
+          <a:fillRef idx="1">
+            <a:schemeClr val="accent1"/>
+          </a:fillRef>
+          <a:effectRef idx="0">
+            <a:schemeClr val="accent1"/>
+          </a:effectRef>
+          <a:fontRef idx="minor">
+            <a:schemeClr val="lt1"/>
+          </a:fontRef>
+        </p:style>
+        <p:txBody>
+          <a:bodyPr rtlCol="0" anchor="ctr"/>
+          <a:lstStyle/>
+          <a:p>
+            <a:pPr algn="ctr"/>
+            <a:endParaRPr lang="es-ES" sz="1400" dirty="0"/>
+          </a:p>
+        </p:txBody>
+      </p:sp>
+      <p:sp>
+        <p:nvSpPr>
+          <p:cNvPr id="315" name="Rectángulo 314">
+            <a:extLst>
+              <a:ext uri="{FF2B5EF4-FFF2-40B4-BE49-F238E27FC236}">
+                <a16:creationId xmlns:a16="http://schemas.microsoft.com/office/drawing/2014/main" id="{CF9312B0-050E-450A-9A69-9B6AAFE47BDF}"/>
+              </a:ext>
+            </a:extLst>
+          </p:cNvPr>
+          <p:cNvSpPr/>
+          <p:nvPr/>
+        </p:nvSpPr>
+        <p:spPr>
+          <a:xfrm>
+            <a:off x="2686626" y="561392"/>
+            <a:ext cx="360000" cy="360000"/>
+          </a:xfrm>
+          <a:prstGeom prst="rect">
+            <a:avLst/>
+          </a:prstGeom>
+          <a:solidFill>
+            <a:schemeClr val="bg1">
+              <a:lumMod val="50000"/>
+            </a:schemeClr>
+          </a:solidFill>
+          <a:ln>
+            <a:noFill/>
+          </a:ln>
+        </p:spPr>
+        <p:style>
+          <a:lnRef idx="2">
+            <a:schemeClr val="accent1">
+              <a:shade val="50000"/>
+            </a:schemeClr>
+          </a:lnRef>
+          <a:fillRef idx="1">
+            <a:schemeClr val="accent1"/>
+          </a:fillRef>
+          <a:effectRef idx="0">
+            <a:schemeClr val="accent1"/>
+          </a:effectRef>
+          <a:fontRef idx="minor">
+            <a:schemeClr val="lt1"/>
+          </a:fontRef>
+        </p:style>
+        <p:txBody>
+          <a:bodyPr rtlCol="0" anchor="ctr"/>
+          <a:lstStyle/>
+          <a:p>
+            <a:pPr algn="ctr"/>
+            <a:endParaRPr lang="es-ES" sz="1400" dirty="0"/>
+          </a:p>
+        </p:txBody>
+      </p:sp>
+      <p:cxnSp>
+        <p:nvCxnSpPr>
+          <p:cNvPr id="316" name="Conector recto de flecha 315">
+            <a:extLst>
+              <a:ext uri="{FF2B5EF4-FFF2-40B4-BE49-F238E27FC236}">
+                <a16:creationId xmlns:a16="http://schemas.microsoft.com/office/drawing/2014/main" id="{1894ADEA-2552-4852-ADF0-DD782D48A3E4}"/>
+              </a:ext>
+            </a:extLst>
+          </p:cNvPr>
+          <p:cNvCxnSpPr>
+            <a:cxnSpLocks/>
+            <a:stCxn id="315" idx="2"/>
+            <a:endCxn id="41" idx="0"/>
+          </p:cNvCxnSpPr>
+          <p:nvPr/>
+        </p:nvCxnSpPr>
+        <p:spPr>
+          <a:xfrm>
+            <a:off x="2866626" y="921392"/>
+            <a:ext cx="0" cy="737194"/>
+          </a:xfrm>
+          <a:prstGeom prst="straightConnector1">
+            <a:avLst/>
+          </a:prstGeom>
+          <a:ln>
+            <a:tailEnd type="triangle"/>
+          </a:ln>
+        </p:spPr>
+        <p:style>
+          <a:lnRef idx="1">
+            <a:schemeClr val="accent1"/>
+          </a:lnRef>
+          <a:fillRef idx="0">
+            <a:schemeClr val="accent1"/>
+          </a:fillRef>
+          <a:effectRef idx="0">
+            <a:schemeClr val="accent1"/>
+          </a:effectRef>
+          <a:fontRef idx="minor">
+            <a:schemeClr val="tx1"/>
+          </a:fontRef>
+        </p:style>
+      </p:cxnSp>
+      <p:cxnSp>
+        <p:nvCxnSpPr>
+          <p:cNvPr id="322" name="Conector recto de flecha 321">
+            <a:extLst>
+              <a:ext uri="{FF2B5EF4-FFF2-40B4-BE49-F238E27FC236}">
+                <a16:creationId xmlns:a16="http://schemas.microsoft.com/office/drawing/2014/main" id="{761DA096-3554-435C-85A3-6E6EA72912C6}"/>
+              </a:ext>
+            </a:extLst>
+          </p:cNvPr>
+          <p:cNvCxnSpPr>
+            <a:cxnSpLocks/>
+            <a:stCxn id="189" idx="4"/>
+            <a:endCxn id="286" idx="0"/>
+          </p:cNvCxnSpPr>
+          <p:nvPr/>
+        </p:nvCxnSpPr>
+        <p:spPr>
+          <a:xfrm flipH="1">
+            <a:off x="4702132" y="750381"/>
+            <a:ext cx="1077" cy="907050"/>
+          </a:xfrm>
+          <a:prstGeom prst="straightConnector1">
+            <a:avLst/>
+          </a:prstGeom>
+          <a:ln>
+            <a:tailEnd type="triangle"/>
+          </a:ln>
+        </p:spPr>
+        <p:style>
+          <a:lnRef idx="1">
+            <a:schemeClr val="accent1"/>
+          </a:lnRef>
+          <a:fillRef idx="0">
+            <a:schemeClr val="accent1"/>
+          </a:fillRef>
+          <a:effectRef idx="0">
+            <a:schemeClr val="accent1"/>
+          </a:effectRef>
+          <a:fontRef idx="minor">
+            <a:schemeClr val="tx1"/>
+          </a:fontRef>
+        </p:style>
+      </p:cxnSp>
+      <p:cxnSp>
+        <p:nvCxnSpPr>
+          <p:cNvPr id="326" name="Conector recto de flecha 325">
+            <a:extLst>
+              <a:ext uri="{FF2B5EF4-FFF2-40B4-BE49-F238E27FC236}">
+                <a16:creationId xmlns:a16="http://schemas.microsoft.com/office/drawing/2014/main" id="{93AAA3BB-747D-41E9-B21A-AA61BB8583B5}"/>
+              </a:ext>
+            </a:extLst>
+          </p:cNvPr>
+          <p:cNvCxnSpPr>
+            <a:cxnSpLocks/>
+            <a:stCxn id="269" idx="4"/>
+            <a:endCxn id="53" idx="0"/>
+          </p:cNvCxnSpPr>
+          <p:nvPr/>
+        </p:nvCxnSpPr>
+        <p:spPr>
+          <a:xfrm>
+            <a:off x="8472340" y="734283"/>
+            <a:ext cx="0" cy="907879"/>
+          </a:xfrm>
+          <a:prstGeom prst="straightConnector1">
+            <a:avLst/>
+          </a:prstGeom>
+          <a:ln>
+            <a:tailEnd type="triangle"/>
+          </a:ln>
+        </p:spPr>
+        <p:style>
+          <a:lnRef idx="1">
+            <a:schemeClr val="accent1"/>
+          </a:lnRef>
+          <a:fillRef idx="0">
+            <a:schemeClr val="accent1"/>
+          </a:fillRef>
+          <a:effectRef idx="0">
+            <a:schemeClr val="accent1"/>
+          </a:effectRef>
+          <a:fontRef idx="minor">
+            <a:schemeClr val="tx1"/>
+          </a:fontRef>
+        </p:style>
+      </p:cxnSp>
+      <p:sp>
+        <p:nvSpPr>
+          <p:cNvPr id="45" name="Rectángulo 44">
+            <a:extLst>
+              <a:ext uri="{FF2B5EF4-FFF2-40B4-BE49-F238E27FC236}">
+                <a16:creationId xmlns:a16="http://schemas.microsoft.com/office/drawing/2014/main" id="{015541E4-CAE3-4DD4-8854-56927B657F7F}"/>
+              </a:ext>
+            </a:extLst>
+          </p:cNvPr>
+          <p:cNvSpPr/>
+          <p:nvPr/>
+        </p:nvSpPr>
+        <p:spPr>
+          <a:xfrm>
+            <a:off x="8425002" y="2690222"/>
+            <a:ext cx="1620000" cy="540000"/>
+          </a:xfrm>
+          <a:prstGeom prst="rect">
+            <a:avLst/>
+          </a:prstGeom>
+          <a:solidFill>
+            <a:schemeClr val="accent2">
+              <a:lumMod val="75000"/>
+            </a:schemeClr>
+          </a:solidFill>
+        </p:spPr>
+        <p:style>
+          <a:lnRef idx="2">
+            <a:schemeClr val="accent1">
+              <a:shade val="50000"/>
+            </a:schemeClr>
+          </a:lnRef>
+          <a:fillRef idx="1">
+            <a:schemeClr val="accent1"/>
+          </a:fillRef>
+          <a:effectRef idx="0">
+            <a:schemeClr val="accent1"/>
+          </a:effectRef>
+          <a:fontRef idx="minor">
+            <a:schemeClr val="lt1"/>
+          </a:fontRef>
+        </p:style>
+        <p:txBody>
+          <a:bodyPr rtlCol="0" anchor="ctr"/>
+          <a:lstStyle/>
+          <a:p>
+            <a:pPr algn="ctr"/>
+            <a:r>
+              <a:rPr lang="es-ES" sz="1400" dirty="0" err="1"/>
+              <a:t>YATAWebWidgets</a:t>
+            </a:r>
+            <a:endParaRPr lang="es-ES" sz="1400" dirty="0"/>
+          </a:p>
+        </p:txBody>
+      </p:sp>
+      <p:sp>
+        <p:nvSpPr>
+          <p:cNvPr id="52" name="Rectángulo 51">
+            <a:extLst>
+              <a:ext uri="{FF2B5EF4-FFF2-40B4-BE49-F238E27FC236}">
+                <a16:creationId xmlns:a16="http://schemas.microsoft.com/office/drawing/2014/main" id="{128C5649-823C-46F2-9061-E2E0F384116C}"/>
+              </a:ext>
+            </a:extLst>
+          </p:cNvPr>
+          <p:cNvSpPr/>
+          <p:nvPr/>
+        </p:nvSpPr>
+        <p:spPr>
+          <a:xfrm>
+            <a:off x="6315656" y="2690222"/>
+            <a:ext cx="1620000" cy="540000"/>
+          </a:xfrm>
+          <a:prstGeom prst="rect">
+            <a:avLst/>
+          </a:prstGeom>
+          <a:solidFill>
+            <a:schemeClr val="accent2">
+              <a:lumMod val="75000"/>
+            </a:schemeClr>
+          </a:solidFill>
+        </p:spPr>
+        <p:style>
+          <a:lnRef idx="2">
+            <a:schemeClr val="accent1">
+              <a:shade val="50000"/>
+            </a:schemeClr>
+          </a:lnRef>
+          <a:fillRef idx="1">
+            <a:schemeClr val="accent1"/>
+          </a:fillRef>
+          <a:effectRef idx="0">
+            <a:schemeClr val="accent1"/>
+          </a:effectRef>
+          <a:fontRef idx="minor">
+            <a:schemeClr val="lt1"/>
+          </a:fontRef>
+        </p:style>
+        <p:txBody>
+          <a:bodyPr rtlCol="0" anchor="ctr"/>
+          <a:lstStyle/>
+          <a:p>
+            <a:pPr algn="ctr"/>
+            <a:r>
+              <a:rPr lang="es-ES" sz="1400" dirty="0" err="1"/>
+              <a:t>YATAWebCore</a:t>
+            </a:r>
+            <a:endParaRPr lang="es-ES" sz="1400" dirty="0"/>
+          </a:p>
+        </p:txBody>
+      </p:sp>
+      <p:sp>
+        <p:nvSpPr>
+          <p:cNvPr id="468" name="Rectángulo 467">
+            <a:extLst>
+              <a:ext uri="{FF2B5EF4-FFF2-40B4-BE49-F238E27FC236}">
+                <a16:creationId xmlns:a16="http://schemas.microsoft.com/office/drawing/2014/main" id="{6C65D878-A769-4ED7-AAE8-C7444382D023}"/>
+              </a:ext>
+            </a:extLst>
+          </p:cNvPr>
+          <p:cNvSpPr/>
+          <p:nvPr/>
+        </p:nvSpPr>
+        <p:spPr>
+          <a:xfrm>
+            <a:off x="2123463" y="1818395"/>
+            <a:ext cx="360000" cy="360000"/>
+          </a:xfrm>
+          <a:prstGeom prst="rect">
+            <a:avLst/>
+          </a:prstGeom>
+          <a:solidFill>
+            <a:schemeClr val="bg1">
+              <a:lumMod val="50000"/>
+            </a:schemeClr>
+          </a:solidFill>
+          <a:ln>
+            <a:noFill/>
+          </a:ln>
+        </p:spPr>
+        <p:style>
+          <a:lnRef idx="2">
+            <a:schemeClr val="accent1">
+              <a:shade val="50000"/>
+            </a:schemeClr>
+          </a:lnRef>
+          <a:fillRef idx="1">
+            <a:schemeClr val="accent1"/>
+          </a:fillRef>
+          <a:effectRef idx="0">
+            <a:schemeClr val="accent1"/>
+          </a:effectRef>
+          <a:fontRef idx="minor">
+            <a:schemeClr val="lt1"/>
+          </a:fontRef>
+        </p:style>
+        <p:txBody>
+          <a:bodyPr rtlCol="0" anchor="ctr"/>
+          <a:lstStyle/>
+          <a:p>
+            <a:pPr algn="ctr"/>
+            <a:endParaRPr lang="es-ES" dirty="0"/>
+          </a:p>
+        </p:txBody>
+      </p:sp>
+      <p:sp>
+        <p:nvSpPr>
+          <p:cNvPr id="469" name="Rectángulo 468">
+            <a:extLst>
+              <a:ext uri="{FF2B5EF4-FFF2-40B4-BE49-F238E27FC236}">
+                <a16:creationId xmlns:a16="http://schemas.microsoft.com/office/drawing/2014/main" id="{DEBD028D-7CDC-469A-AED1-5CEE698DA3C2}"/>
+              </a:ext>
+            </a:extLst>
+          </p:cNvPr>
+          <p:cNvSpPr/>
+          <p:nvPr/>
+        </p:nvSpPr>
+        <p:spPr>
+          <a:xfrm>
+            <a:off x="2081695" y="5945981"/>
+            <a:ext cx="360000" cy="360000"/>
+          </a:xfrm>
+          <a:prstGeom prst="rect">
+            <a:avLst/>
+          </a:prstGeom>
+          <a:solidFill>
+            <a:schemeClr val="bg1">
+              <a:lumMod val="50000"/>
+            </a:schemeClr>
+          </a:solidFill>
+          <a:ln>
+            <a:noFill/>
+          </a:ln>
+        </p:spPr>
+        <p:style>
+          <a:lnRef idx="2">
+            <a:schemeClr val="accent1">
+              <a:shade val="50000"/>
+            </a:schemeClr>
+          </a:lnRef>
+          <a:fillRef idx="1">
+            <a:schemeClr val="accent1"/>
+          </a:fillRef>
+          <a:effectRef idx="0">
+            <a:schemeClr val="accent1"/>
+          </a:effectRef>
+          <a:fontRef idx="minor">
+            <a:schemeClr val="lt1"/>
+          </a:fontRef>
+        </p:style>
+        <p:txBody>
+          <a:bodyPr rtlCol="0" anchor="ctr"/>
+          <a:lstStyle/>
+          <a:p>
+            <a:pPr algn="ctr"/>
+            <a:endParaRPr lang="es-ES" dirty="0"/>
+          </a:p>
+        </p:txBody>
+      </p:sp>
+      <p:cxnSp>
+        <p:nvCxnSpPr>
+          <p:cNvPr id="470" name="Conector recto de flecha 469">
+            <a:extLst>
+              <a:ext uri="{FF2B5EF4-FFF2-40B4-BE49-F238E27FC236}">
+                <a16:creationId xmlns:a16="http://schemas.microsoft.com/office/drawing/2014/main" id="{713C2B1D-9916-462D-A6D7-D2807BC158AB}"/>
+              </a:ext>
+            </a:extLst>
+          </p:cNvPr>
+          <p:cNvCxnSpPr>
+            <a:cxnSpLocks/>
+            <a:stCxn id="468" idx="2"/>
+            <a:endCxn id="469" idx="0"/>
+          </p:cNvCxnSpPr>
+          <p:nvPr/>
+        </p:nvCxnSpPr>
+        <p:spPr>
+          <a:xfrm flipH="1">
+            <a:off x="2261695" y="2178395"/>
+            <a:ext cx="41768" cy="3767586"/>
+          </a:xfrm>
+          <a:prstGeom prst="straightConnector1">
+            <a:avLst/>
+          </a:prstGeom>
+          <a:ln>
+            <a:tailEnd type="triangle"/>
+          </a:ln>
+        </p:spPr>
+        <p:style>
+          <a:lnRef idx="1">
+            <a:schemeClr val="accent1"/>
+          </a:lnRef>
+          <a:fillRef idx="0">
+            <a:schemeClr val="accent1"/>
+          </a:fillRef>
+          <a:effectRef idx="0">
+            <a:schemeClr val="accent1"/>
+          </a:effectRef>
+          <a:fontRef idx="minor">
+            <a:schemeClr val="tx1"/>
+          </a:fontRef>
+        </p:style>
+      </p:cxnSp>
+      <p:sp>
+        <p:nvSpPr>
+          <p:cNvPr id="188" name="Rectángulo: esquinas redondeadas 187">
+            <a:extLst>
+              <a:ext uri="{FF2B5EF4-FFF2-40B4-BE49-F238E27FC236}">
+                <a16:creationId xmlns:a16="http://schemas.microsoft.com/office/drawing/2014/main" id="{8196BF91-B5F2-4069-A6AD-C3B4DC7E93E2}"/>
+              </a:ext>
+            </a:extLst>
+          </p:cNvPr>
+          <p:cNvSpPr/>
+          <p:nvPr/>
+        </p:nvSpPr>
+        <p:spPr>
+          <a:xfrm>
+            <a:off x="300996" y="181645"/>
+            <a:ext cx="3431358" cy="757375"/>
+          </a:xfrm>
+          <a:prstGeom prst="roundRect">
+            <a:avLst/>
+          </a:prstGeom>
+          <a:solidFill>
+            <a:srgbClr val="00B050"/>
+          </a:solidFill>
+          <a:ln>
+            <a:noFill/>
+          </a:ln>
+        </p:spPr>
+        <p:style>
+          <a:lnRef idx="2">
+            <a:schemeClr val="accent1">
+              <a:shade val="50000"/>
+            </a:schemeClr>
+          </a:lnRef>
+          <a:fillRef idx="1">
+            <a:schemeClr val="accent1"/>
+          </a:fillRef>
+          <a:effectRef idx="0">
+            <a:schemeClr val="accent1"/>
+          </a:effectRef>
+          <a:fontRef idx="minor">
+            <a:schemeClr val="lt1"/>
+          </a:fontRef>
+        </p:style>
+        <p:txBody>
+          <a:bodyPr rtlCol="0" anchor="ctr"/>
+          <a:lstStyle/>
+          <a:p>
+            <a:pPr algn="ctr"/>
+            <a:r>
+              <a:rPr lang="es-ES" dirty="0"/>
+              <a:t>Scripts</a:t>
+            </a:r>
+          </a:p>
+        </p:txBody>
+      </p:sp>
+      <p:sp>
+        <p:nvSpPr>
+          <p:cNvPr id="53" name="Rectángulo 52">
+            <a:extLst>
+              <a:ext uri="{FF2B5EF4-FFF2-40B4-BE49-F238E27FC236}">
+                <a16:creationId xmlns:a16="http://schemas.microsoft.com/office/drawing/2014/main" id="{F042C66F-B4AE-42AC-BECB-4566F7310053}"/>
+              </a:ext>
+            </a:extLst>
+          </p:cNvPr>
+          <p:cNvSpPr/>
+          <p:nvPr/>
+        </p:nvSpPr>
+        <p:spPr>
+          <a:xfrm>
+            <a:off x="5844823" y="1642162"/>
+            <a:ext cx="5255034" cy="540000"/>
+          </a:xfrm>
+          <a:prstGeom prst="rect">
+            <a:avLst/>
+          </a:prstGeom>
+          <a:solidFill>
+            <a:schemeClr val="accent2">
+              <a:lumMod val="75000"/>
+            </a:schemeClr>
+          </a:solidFill>
+        </p:spPr>
+        <p:style>
+          <a:lnRef idx="2">
+            <a:schemeClr val="accent1">
+              <a:shade val="50000"/>
+            </a:schemeClr>
+          </a:lnRef>
+          <a:fillRef idx="1">
+            <a:schemeClr val="accent1"/>
+          </a:fillRef>
+          <a:effectRef idx="0">
+            <a:schemeClr val="accent1"/>
+          </a:effectRef>
+          <a:fontRef idx="minor">
+            <a:schemeClr val="lt1"/>
+          </a:fontRef>
+        </p:style>
+        <p:txBody>
+          <a:bodyPr rtlCol="0" anchor="ctr"/>
+          <a:lstStyle/>
+          <a:p>
+            <a:pPr algn="ctr"/>
+            <a:r>
+              <a:rPr lang="es-ES" sz="1400" dirty="0" err="1"/>
+              <a:t>YATAWebTrade</a:t>
+            </a:r>
+            <a:endParaRPr lang="es-ES" sz="1400" dirty="0"/>
+          </a:p>
+        </p:txBody>
+      </p:sp>
+      <p:sp>
+        <p:nvSpPr>
+          <p:cNvPr id="8" name="Rectángulo 7">
+            <a:extLst>
+              <a:ext uri="{FF2B5EF4-FFF2-40B4-BE49-F238E27FC236}">
+                <a16:creationId xmlns:a16="http://schemas.microsoft.com/office/drawing/2014/main" id="{603B16EB-6DC5-458E-A87E-922324D0A5D9}"/>
+              </a:ext>
+            </a:extLst>
+          </p:cNvPr>
+          <p:cNvSpPr/>
+          <p:nvPr/>
+        </p:nvSpPr>
+        <p:spPr>
+          <a:xfrm>
+            <a:off x="2469462" y="3713442"/>
+            <a:ext cx="4547158" cy="540000"/>
+          </a:xfrm>
+          <a:prstGeom prst="rect">
+            <a:avLst/>
+          </a:prstGeom>
+        </p:spPr>
+        <p:style>
+          <a:lnRef idx="2">
+            <a:schemeClr val="accent1">
+              <a:shade val="50000"/>
+            </a:schemeClr>
+          </a:lnRef>
+          <a:fillRef idx="1">
+            <a:schemeClr val="accent1"/>
+          </a:fillRef>
+          <a:effectRef idx="0">
+            <a:schemeClr val="accent1"/>
+          </a:effectRef>
+          <a:fontRef idx="minor">
+            <a:schemeClr val="lt1"/>
+          </a:fontRef>
+        </p:style>
+        <p:txBody>
+          <a:bodyPr rtlCol="0" anchor="ctr"/>
+          <a:lstStyle/>
+          <a:p>
+            <a:pPr algn="ctr"/>
+            <a:r>
+              <a:rPr lang="es-ES" sz="1400" dirty="0" err="1"/>
+              <a:t>YATACore</a:t>
+            </a:r>
+            <a:endParaRPr lang="es-ES" sz="1400" dirty="0"/>
+          </a:p>
+        </p:txBody>
+      </p:sp>
+      <p:sp>
+        <p:nvSpPr>
+          <p:cNvPr id="5" name="Rectángulo 4">
+            <a:extLst>
+              <a:ext uri="{FF2B5EF4-FFF2-40B4-BE49-F238E27FC236}">
+                <a16:creationId xmlns:a16="http://schemas.microsoft.com/office/drawing/2014/main" id="{F9953E07-A726-4096-A903-9511B34B0745}"/>
+              </a:ext>
+            </a:extLst>
+          </p:cNvPr>
+          <p:cNvSpPr/>
+          <p:nvPr/>
+        </p:nvSpPr>
+        <p:spPr>
+          <a:xfrm>
+            <a:off x="651043" y="5949845"/>
+            <a:ext cx="10448814" cy="540000"/>
+          </a:xfrm>
+          <a:prstGeom prst="rect">
+            <a:avLst/>
+          </a:prstGeom>
+          <a:solidFill>
+            <a:schemeClr val="bg1">
+              <a:lumMod val="65000"/>
+            </a:schemeClr>
+          </a:solidFill>
+          <a:ln>
+            <a:noFill/>
+          </a:ln>
+        </p:spPr>
+        <p:style>
+          <a:lnRef idx="2">
+            <a:schemeClr val="accent1">
+              <a:shade val="50000"/>
+            </a:schemeClr>
+          </a:lnRef>
+          <a:fillRef idx="1">
+            <a:schemeClr val="accent1"/>
+          </a:fillRef>
+          <a:effectRef idx="0">
+            <a:schemeClr val="accent1"/>
+          </a:effectRef>
+          <a:fontRef idx="minor">
+            <a:schemeClr val="lt1"/>
+          </a:fontRef>
+        </p:style>
+        <p:txBody>
+          <a:bodyPr rtlCol="0" anchor="ctr"/>
+          <a:lstStyle/>
+          <a:p>
+            <a:pPr algn="ctr"/>
+            <a:r>
+              <a:rPr lang="es-ES" sz="1400" dirty="0" err="1"/>
+              <a:t>YATABase</a:t>
+            </a:r>
+            <a:endParaRPr lang="es-ES" sz="1400" dirty="0"/>
+          </a:p>
+        </p:txBody>
+      </p:sp>
+      <p:sp>
+        <p:nvSpPr>
+          <p:cNvPr id="41" name="Rectángulo 40">
+            <a:extLst>
+              <a:ext uri="{FF2B5EF4-FFF2-40B4-BE49-F238E27FC236}">
+                <a16:creationId xmlns:a16="http://schemas.microsoft.com/office/drawing/2014/main" id="{C7BF51B4-F353-4E45-BE19-61CB877217B5}"/>
+              </a:ext>
+            </a:extLst>
+          </p:cNvPr>
+          <p:cNvSpPr/>
+          <p:nvPr/>
+        </p:nvSpPr>
+        <p:spPr>
+          <a:xfrm>
+            <a:off x="2056626" y="1658586"/>
+            <a:ext cx="1620000" cy="540000"/>
+          </a:xfrm>
+          <a:prstGeom prst="rect">
+            <a:avLst/>
+          </a:prstGeom>
+          <a:solidFill>
+            <a:srgbClr val="7030A0"/>
+          </a:solidFill>
+        </p:spPr>
+        <p:style>
+          <a:lnRef idx="2">
+            <a:schemeClr val="accent1">
+              <a:shade val="50000"/>
+            </a:schemeClr>
+          </a:lnRef>
+          <a:fillRef idx="1">
+            <a:schemeClr val="accent1"/>
+          </a:fillRef>
+          <a:effectRef idx="0">
+            <a:schemeClr val="accent1"/>
+          </a:effectRef>
+          <a:fontRef idx="minor">
+            <a:schemeClr val="lt1"/>
+          </a:fontRef>
+        </p:style>
+        <p:txBody>
+          <a:bodyPr rtlCol="0" anchor="ctr"/>
+          <a:lstStyle/>
+          <a:p>
+            <a:pPr algn="ctr"/>
+            <a:r>
+              <a:rPr lang="es-ES" sz="1400" dirty="0" err="1"/>
+              <a:t>YATABatch</a:t>
+            </a:r>
+            <a:endParaRPr lang="es-ES" sz="1400" dirty="0"/>
+          </a:p>
+        </p:txBody>
+      </p:sp>
     </p:spTree>
     <p:extLst>
       <p:ext uri="{BB962C8B-B14F-4D97-AF65-F5344CB8AC3E}">
